--- a/Week 9 - Compute Operations/Week_9_Slides.pptx
+++ b/Week 9 - Compute Operations/Week_9_Slides.pptx
@@ -8,7 +8,7 @@
     <p:sldId id="256" r:id="rId7"/>
     <p:sldId id="257" r:id="rId8"/>
     <p:sldId id="258" r:id="rId9"/>
-    <p:sldId id="259" r:id="rId11"/>
+    <p:sldId id="259" r:id="rId10"/>
     <p:sldId id="260" r:id="rId12"/>
     <p:sldId id="261" r:id="rId13"/>
     <p:sldId id="262" r:id="rId14"/>
@@ -44,6 +44,7 @@
     <p:sldId id="292" r:id="rId44"/>
     <p:sldId id="293" r:id="rId45"/>
     <p:sldId id="294" r:id="rId46"/>
+    <p:sldId id="295" r:id="rId47"/>
   </p:sldIdLst>
   <p:sldSz cx="9144000" cy="6858000" type="screen4x3"/>
   <p:notesSz cx="6858000" cy="9144000"/>
@@ -6451,7 +6452,7 @@
               </a:defRPr>
             </a:pPr>
             <a:r>
-              <a:t>2.2 The Node Components (Data Plane) (Part 3)</a:t>
+              <a:t>2.2 The Node Components (Data Plane) (Part 2)</a:t>
             </a:r>
           </a:p>
         </p:txBody>
@@ -6492,7 +6493,7 @@
               </a:defRPr>
             </a:pPr>
             <a:r>
-              <a:t>It then reports this "Inventory" back to the central database.</a:t>
+              <a:t>In our Linux environment, it uses the Libvirt driver.</a:t>
             </a:r>
           </a:p>
           <a:p>
@@ -6510,7 +6511,65 @@
               </a:defRPr>
             </a:pPr>
             <a:r>
-              <a:t>This ensures that the Scheduler always possesses an accurate, up-to-date map of the cloud's capacity, preventing it from sending a VM to a host that is already full.</a:t>
+              <a:t>When you ask for a VM, nova-compute translates your request into a Libvirt XML file—a precise recipe describing the VM's CPU, RAM, and Devices—and passes it to the Libvirt daemon, which ultimately spawns the QEMU/KVM process.</a:t>
+            </a:r>
+          </a:p>
+          <a:p>
+            <a:pPr>
+              <a:spcBef>
+                <a:spcPts val="800"/>
+              </a:spcBef>
+              <a:spcAft>
+                <a:spcPts val="800"/>
+              </a:spcAft>
+              <a:defRPr sz="2000">
+                <a:solidFill>
+                  <a:srgbClr val="FFFFFF"/>
+                </a:solidFill>
+              </a:defRPr>
+            </a:pPr>
+            <a:r>
+              <a:t>The Resource Tracker</a:t>
+            </a:r>
+            <a:br/>
+            <a:r>
+              <a:t>Beyond creating VMs, nova-compute is responsible for auditing the physical server.</a:t>
+            </a:r>
+          </a:p>
+          <a:p>
+            <a:pPr>
+              <a:spcBef>
+                <a:spcPts val="800"/>
+              </a:spcBef>
+              <a:spcAft>
+                <a:spcPts val="800"/>
+              </a:spcAft>
+              <a:defRPr sz="2000">
+                <a:solidFill>
+                  <a:srgbClr val="FFFFFF"/>
+                </a:solidFill>
+              </a:defRPr>
+            </a:pPr>
+            <a:r>
+              <a:t>It runs a periodic task (typically every 60 seconds) called the Resource Tracker.</a:t>
+            </a:r>
+          </a:p>
+          <a:p>
+            <a:pPr>
+              <a:spcBef>
+                <a:spcPts val="800"/>
+              </a:spcBef>
+              <a:spcAft>
+                <a:spcPts val="800"/>
+              </a:spcAft>
+              <a:defRPr sz="2000">
+                <a:solidFill>
+                  <a:srgbClr val="FFFFFF"/>
+                </a:solidFill>
+              </a:defRPr>
+            </a:pPr>
+            <a:r>
+              <a:t>This task scans the available RAM, CPU cores, and Disk space on the host and compares it against the reserved resources.</a:t>
             </a:r>
           </a:p>
         </p:txBody>
@@ -6595,7 +6654,7 @@
               </a:defRPr>
             </a:pPr>
             <a:r>
-              <a:t>Section 2 Checkpoint</a:t>
+              <a:t>2.2 The Node Components (Data Plane) (Part 3)</a:t>
             </a:r>
           </a:p>
         </p:txBody>
@@ -6636,7 +6695,7 @@
               </a:defRPr>
             </a:pPr>
             <a:r>
-              <a:t>Control Plane: nova-api (Entry), nova-scheduler (Decision), nova-conductor (DB Guard).</a:t>
+              <a:t>It then reports this "Inventory" back to the central database.</a:t>
             </a:r>
           </a:p>
           <a:p>
@@ -6654,61 +6713,7 @@
               </a:defRPr>
             </a:pPr>
             <a:r>
-              <a:t>Data Plane: nova-compute (Hypervisor Worker).</a:t>
-            </a:r>
-          </a:p>
-          <a:p>
-            <a:pPr>
-              <a:spcBef>
-                <a:spcPts val="800"/>
-              </a:spcBef>
-              <a:spcAft>
-                <a:spcPts val="800"/>
-              </a:spcAft>
-              <a:defRPr sz="2000">
-                <a:solidFill>
-                  <a:srgbClr val="FFFFFF"/>
-                </a:solidFill>
-              </a:defRPr>
-            </a:pPr>
-            <a:r>
-              <a:t>Security: Compute nodes cannot talk directly to the DB; they go through Conductor.</a:t>
-            </a:r>
-          </a:p>
-          <a:p>
-            <a:pPr>
-              <a:spcBef>
-                <a:spcPts val="800"/>
-              </a:spcBef>
-              <a:spcAft>
-                <a:spcPts val="800"/>
-              </a:spcAft>
-              <a:defRPr sz="2000">
-                <a:solidFill>
-                  <a:srgbClr val="FFFFFF"/>
-                </a:solidFill>
-              </a:defRPr>
-            </a:pPr>
-            <a:r>
-              <a:t>Why is nova-api considered "stateless"?</a:t>
-            </a:r>
-          </a:p>
-          <a:p>
-            <a:pPr>
-              <a:spcBef>
-                <a:spcPts val="800"/>
-              </a:spcBef>
-              <a:spcAft>
-                <a:spcPts val="800"/>
-              </a:spcAft>
-              <a:defRPr sz="2000">
-                <a:solidFill>
-                  <a:srgbClr val="FFFFFF"/>
-                </a:solidFill>
-              </a:defRPr>
-            </a:pPr>
-            <a:r>
-              <a:t>Why do we need a "Conductor" to protect the database?</a:t>
+              <a:t>This ensures that the Scheduler always possesses an accurate, up-to-date map of the cloud's capacity, preventing it from sending a VM to a host that is already full.</a:t>
             </a:r>
           </a:p>
         </p:txBody>
@@ -6722,6 +6727,204 @@
 </file>
 
 <file path=ppt/slides/slide12.xml><?xml version="1.0" encoding="utf-8"?>
+<p:sld xmlns:a="http://schemas.openxmlformats.org/drawingml/2006/main" xmlns:p="http://schemas.openxmlformats.org/presentationml/2006/main" xmlns:r="http://schemas.openxmlformats.org/officeDocument/2006/relationships">
+  <p:cSld>
+    <p:bg>
+      <p:bgPr>
+        <a:solidFill>
+          <a:srgbClr val="142A46"/>
+        </a:solidFill>
+        <a:effectLst/>
+      </p:bgPr>
+    </p:bg>
+    <p:spTree>
+      <p:nvGrpSpPr>
+        <p:cNvPr id="1" name=""/>
+        <p:cNvGrpSpPr/>
+        <p:nvPr/>
+      </p:nvGrpSpPr>
+      <p:grpSpPr/>
+      <p:pic>
+        <p:nvPicPr>
+          <p:cNvPr id="2" name="Picture 1" descr="ops3_logo.png"/>
+          <p:cNvPicPr>
+            <a:picLocks noChangeAspect="1"/>
+          </p:cNvPicPr>
+          <p:nvPr/>
+        </p:nvPicPr>
+        <p:blipFill>
+          <a:blip r:embed="rId2"/>
+          <a:stretch>
+            <a:fillRect/>
+          </a:stretch>
+        </p:blipFill>
+        <p:spPr>
+          <a:xfrm>
+            <a:off x="274320" y="274320"/>
+            <a:ext cx="581649" cy="548640"/>
+          </a:xfrm>
+          <a:prstGeom prst="rect">
+            <a:avLst/>
+          </a:prstGeom>
+        </p:spPr>
+      </p:pic>
+      <p:sp>
+        <p:nvSpPr>
+          <p:cNvPr id="3" name="TextBox 2"/>
+          <p:cNvSpPr txBox="1"/>
+          <p:nvPr/>
+        </p:nvSpPr>
+        <p:spPr>
+          <a:xfrm>
+            <a:off x="457200" y="914400"/>
+            <a:ext cx="8229600" cy="640080"/>
+          </a:xfrm>
+          <a:prstGeom prst="rect">
+            <a:avLst/>
+          </a:prstGeom>
+          <a:noFill/>
+        </p:spPr>
+        <p:txBody>
+          <a:bodyPr wrap="none">
+            <a:spAutoFit/>
+          </a:bodyPr>
+          <a:lstStyle/>
+          <a:p>
+            <a:pPr>
+              <a:defRPr sz="3200" b="1">
+                <a:solidFill>
+                  <a:srgbClr val="C9984A"/>
+                </a:solidFill>
+              </a:defRPr>
+            </a:pPr>
+            <a:r>
+              <a:t>Section 2 Checkpoint</a:t>
+            </a:r>
+          </a:p>
+        </p:txBody>
+      </p:sp>
+      <p:sp>
+        <p:nvSpPr>
+          <p:cNvPr id="4" name="TextBox 3"/>
+          <p:cNvSpPr txBox="1"/>
+          <p:nvPr/>
+        </p:nvSpPr>
+        <p:spPr>
+          <a:xfrm>
+            <a:off x="731520" y="1737360"/>
+            <a:ext cx="7680960" cy="4389120"/>
+          </a:xfrm>
+          <a:prstGeom prst="rect">
+            <a:avLst/>
+          </a:prstGeom>
+          <a:noFill/>
+        </p:spPr>
+        <p:txBody>
+          <a:bodyPr wrap="square">
+            <a:spAutoFit/>
+          </a:bodyPr>
+          <a:lstStyle/>
+          <a:p>
+            <a:pPr>
+              <a:spcBef>
+                <a:spcPts val="800"/>
+              </a:spcBef>
+              <a:spcAft>
+                <a:spcPts val="800"/>
+              </a:spcAft>
+              <a:defRPr sz="2000">
+                <a:solidFill>
+                  <a:srgbClr val="FFFFFF"/>
+                </a:solidFill>
+              </a:defRPr>
+            </a:pPr>
+            <a:r>
+              <a:t>Control Plane: nova-api (Entry), nova-scheduler (Decision), nova-conductor (DB Guard).</a:t>
+            </a:r>
+          </a:p>
+          <a:p>
+            <a:pPr>
+              <a:spcBef>
+                <a:spcPts val="800"/>
+              </a:spcBef>
+              <a:spcAft>
+                <a:spcPts val="800"/>
+              </a:spcAft>
+              <a:defRPr sz="2000">
+                <a:solidFill>
+                  <a:srgbClr val="FFFFFF"/>
+                </a:solidFill>
+              </a:defRPr>
+            </a:pPr>
+            <a:r>
+              <a:t>Data Plane: nova-compute (Hypervisor Worker).</a:t>
+            </a:r>
+          </a:p>
+          <a:p>
+            <a:pPr>
+              <a:spcBef>
+                <a:spcPts val="800"/>
+              </a:spcBef>
+              <a:spcAft>
+                <a:spcPts val="800"/>
+              </a:spcAft>
+              <a:defRPr sz="2000">
+                <a:solidFill>
+                  <a:srgbClr val="FFFFFF"/>
+                </a:solidFill>
+              </a:defRPr>
+            </a:pPr>
+            <a:r>
+              <a:t>Security: Compute nodes cannot talk directly to the DB; they go through Conductor.</a:t>
+            </a:r>
+          </a:p>
+          <a:p>
+            <a:pPr>
+              <a:spcBef>
+                <a:spcPts val="800"/>
+              </a:spcBef>
+              <a:spcAft>
+                <a:spcPts val="800"/>
+              </a:spcAft>
+              <a:defRPr sz="2000">
+                <a:solidFill>
+                  <a:srgbClr val="FFFFFF"/>
+                </a:solidFill>
+              </a:defRPr>
+            </a:pPr>
+            <a:r>
+              <a:t>Why is nova-api considered "stateless"?</a:t>
+            </a:r>
+          </a:p>
+          <a:p>
+            <a:pPr>
+              <a:spcBef>
+                <a:spcPts val="800"/>
+              </a:spcBef>
+              <a:spcAft>
+                <a:spcPts val="800"/>
+              </a:spcAft>
+              <a:defRPr sz="2000">
+                <a:solidFill>
+                  <a:srgbClr val="FFFFFF"/>
+                </a:solidFill>
+              </a:defRPr>
+            </a:pPr>
+            <a:r>
+              <a:t>Why do we need a "Conductor" to protect the database?</a:t>
+            </a:r>
+          </a:p>
+        </p:txBody>
+      </p:sp>
+    </p:spTree>
+  </p:cSld>
+  <p:clrMapOvr>
+    <a:masterClrMapping/>
+  </p:clrMapOvr>
+</p:sld>
+</file>
+
+<file path=ppt/slides/slide13.xml><?xml version="1.0" encoding="utf-8"?>
 <p:sld xmlns:a="http://schemas.openxmlformats.org/drawingml/2006/main" xmlns:p="http://schemas.openxmlformats.org/presentationml/2006/main" xmlns:r="http://schemas.openxmlformats.org/officeDocument/2006/relationships">
   <p:cSld>
     <p:bg>
@@ -6794,186 +6997,6 @@
             </a:pPr>
             <a:r>
               <a:t>3. The Scheduling Algorithm (The Decision Process)</a:t>
-            </a:r>
-          </a:p>
-        </p:txBody>
-      </p:sp>
-    </p:spTree>
-  </p:cSld>
-  <p:clrMapOvr>
-    <a:masterClrMapping/>
-  </p:clrMapOvr>
-</p:sld>
-</file>
-
-<file path=ppt/slides/slide13.xml><?xml version="1.0" encoding="utf-8"?>
-<p:sld xmlns:a="http://schemas.openxmlformats.org/drawingml/2006/main" xmlns:p="http://schemas.openxmlformats.org/presentationml/2006/main" xmlns:r="http://schemas.openxmlformats.org/officeDocument/2006/relationships">
-  <p:cSld>
-    <p:bg>
-      <p:bgPr>
-        <a:solidFill>
-          <a:srgbClr val="142A46"/>
-        </a:solidFill>
-        <a:effectLst/>
-      </p:bgPr>
-    </p:bg>
-    <p:spTree>
-      <p:nvGrpSpPr>
-        <p:cNvPr id="1" name=""/>
-        <p:cNvGrpSpPr/>
-        <p:nvPr/>
-      </p:nvGrpSpPr>
-      <p:grpSpPr/>
-      <p:pic>
-        <p:nvPicPr>
-          <p:cNvPr id="2" name="Picture 1" descr="ops3_logo.png"/>
-          <p:cNvPicPr>
-            <a:picLocks noChangeAspect="1"/>
-          </p:cNvPicPr>
-          <p:nvPr/>
-        </p:nvPicPr>
-        <p:blipFill>
-          <a:blip r:embed="rId2"/>
-          <a:stretch>
-            <a:fillRect/>
-          </a:stretch>
-        </p:blipFill>
-        <p:spPr>
-          <a:xfrm>
-            <a:off x="274320" y="274320"/>
-            <a:ext cx="581649" cy="548640"/>
-          </a:xfrm>
-          <a:prstGeom prst="rect">
-            <a:avLst/>
-          </a:prstGeom>
-        </p:spPr>
-      </p:pic>
-      <p:sp>
-        <p:nvSpPr>
-          <p:cNvPr id="3" name="TextBox 2"/>
-          <p:cNvSpPr txBox="1"/>
-          <p:nvPr/>
-        </p:nvSpPr>
-        <p:spPr>
-          <a:xfrm>
-            <a:off x="457200" y="914400"/>
-            <a:ext cx="8229600" cy="640080"/>
-          </a:xfrm>
-          <a:prstGeom prst="rect">
-            <a:avLst/>
-          </a:prstGeom>
-          <a:noFill/>
-        </p:spPr>
-        <p:txBody>
-          <a:bodyPr wrap="none">
-            <a:spAutoFit/>
-          </a:bodyPr>
-          <a:lstStyle/>
-          <a:p>
-            <a:pPr>
-              <a:defRPr sz="3200" b="1">
-                <a:solidFill>
-                  <a:srgbClr val="C9984A"/>
-                </a:solidFill>
-              </a:defRPr>
-            </a:pPr>
-            <a:r>
-              <a:t>3.1 Pass 1: Filtering (Qualifying)</a:t>
-            </a:r>
-          </a:p>
-        </p:txBody>
-      </p:sp>
-      <p:sp>
-        <p:nvSpPr>
-          <p:cNvPr id="4" name="TextBox 3"/>
-          <p:cNvSpPr txBox="1"/>
-          <p:nvPr/>
-        </p:nvSpPr>
-        <p:spPr>
-          <a:xfrm>
-            <a:off x="731520" y="1737360"/>
-            <a:ext cx="7680960" cy="4389120"/>
-          </a:xfrm>
-          <a:prstGeom prst="rect">
-            <a:avLst/>
-          </a:prstGeom>
-          <a:noFill/>
-        </p:spPr>
-        <p:txBody>
-          <a:bodyPr wrap="square">
-            <a:spAutoFit/>
-          </a:bodyPr>
-          <a:lstStyle/>
-          <a:p>
-            <a:pPr>
-              <a:spcBef>
-                <a:spcPts val="800"/>
-              </a:spcBef>
-              <a:spcAft>
-                <a:spcPts val="800"/>
-              </a:spcAft>
-              <a:defRPr sz="2000">
-                <a:solidFill>
-                  <a:srgbClr val="FFFFFF"/>
-                </a:solidFill>
-              </a:defRPr>
-            </a:pPr>
-            <a:r>
-              <a:t>RamFilter: Checks if the host has enough free RAM to satisfy the requested flavor.</a:t>
-            </a:r>
-          </a:p>
-          <a:p>
-            <a:pPr>
-              <a:spcBef>
-                <a:spcPts val="800"/>
-              </a:spcBef>
-              <a:spcAft>
-                <a:spcPts val="800"/>
-              </a:spcAft>
-              <a:defRPr sz="2000">
-                <a:solidFill>
-                  <a:srgbClr val="FFFFFF"/>
-                </a:solidFill>
-              </a:defRPr>
-            </a:pPr>
-            <a:r>
-              <a:t>ComputeFilter: Ensures the host service is actually alive and reporting.</a:t>
-            </a:r>
-          </a:p>
-          <a:p>
-            <a:pPr>
-              <a:spcBef>
-                <a:spcPts val="800"/>
-              </a:spcBef>
-              <a:spcAft>
-                <a:spcPts val="800"/>
-              </a:spcAft>
-              <a:defRPr sz="2000">
-                <a:solidFill>
-                  <a:srgbClr val="FFFFFF"/>
-                </a:solidFill>
-              </a:defRPr>
-            </a:pPr>
-            <a:r>
-              <a:t>AvailabilityZoneFilter: Ensures the VM lands in the requested physical location.</a:t>
-            </a:r>
-          </a:p>
-          <a:p>
-            <a:pPr>
-              <a:spcBef>
-                <a:spcPts val="800"/>
-              </a:spcBef>
-              <a:spcAft>
-                <a:spcPts val="800"/>
-              </a:spcAft>
-              <a:defRPr sz="2000">
-                <a:solidFill>
-                  <a:srgbClr val="FFFFFF"/>
-                </a:solidFill>
-              </a:defRPr>
-            </a:pPr>
-            <a:r>
-              <a:t>ImagePropertiesFilter: Checks for specific hardware requirements like GPUs or Secure Boot support.</a:t>
             </a:r>
           </a:p>
         </p:txBody>
@@ -7058,7 +7081,7 @@
               </a:defRPr>
             </a:pPr>
             <a:r>
-              <a:t>3.2 Pass 2: Weighting (Ranking)</a:t>
+              <a:t>3.1 Pass 1: Filtering (Qualifying)</a:t>
             </a:r>
           </a:p>
         </p:txBody>
@@ -7099,7 +7122,7 @@
               </a:defRPr>
             </a:pPr>
             <a:r>
-              <a:t>Stacking Strategy: Fills up one server completely before moving to the next. This saves power but creates hotspots.</a:t>
+              <a:t>RamFilter: Checks if the host has enough free RAM to satisfy the requested flavor.</a:t>
             </a:r>
           </a:p>
           <a:p>
@@ -7117,7 +7140,43 @@
               </a:defRPr>
             </a:pPr>
             <a:r>
-              <a:t>Spreading Strategy (Default): Places the VM on the emptiest possible server to maximize performance and minimize the "noisy neighbor" effect.</a:t>
+              <a:t>ComputeFilter: Ensures the host service is actually alive and reporting.</a:t>
+            </a:r>
+          </a:p>
+          <a:p>
+            <a:pPr>
+              <a:spcBef>
+                <a:spcPts val="800"/>
+              </a:spcBef>
+              <a:spcAft>
+                <a:spcPts val="800"/>
+              </a:spcAft>
+              <a:defRPr sz="2000">
+                <a:solidFill>
+                  <a:srgbClr val="FFFFFF"/>
+                </a:solidFill>
+              </a:defRPr>
+            </a:pPr>
+            <a:r>
+              <a:t>AvailabilityZoneFilter: Ensures the VM lands in the requested physical location.</a:t>
+            </a:r>
+          </a:p>
+          <a:p>
+            <a:pPr>
+              <a:spcBef>
+                <a:spcPts val="800"/>
+              </a:spcBef>
+              <a:spcAft>
+                <a:spcPts val="800"/>
+              </a:spcAft>
+              <a:defRPr sz="2000">
+                <a:solidFill>
+                  <a:srgbClr val="FFFFFF"/>
+                </a:solidFill>
+              </a:defRPr>
+            </a:pPr>
+            <a:r>
+              <a:t>ImagePropertiesFilter: Checks for specific hardware requirements like GPUs or Secure Boot support.</a:t>
             </a:r>
           </a:p>
         </p:txBody>
@@ -7202,7 +7261,7 @@
               </a:defRPr>
             </a:pPr>
             <a:r>
-              <a:t>Section 3 Checkpoint</a:t>
+              <a:t>3.2 Pass 2: Weighting (Ranking)</a:t>
             </a:r>
           </a:p>
         </p:txBody>
@@ -7243,7 +7302,7 @@
               </a:defRPr>
             </a:pPr>
             <a:r>
-              <a:t>Filtering: Removes invalid hosts (e.g., Not enough RAM).</a:t>
+              <a:t>Stacking Strategy: Fills up one server completely before moving to the next. This saves power but creates hotspots.</a:t>
             </a:r>
           </a:p>
           <a:p>
@@ -7261,61 +7320,7 @@
               </a:defRPr>
             </a:pPr>
             <a:r>
-              <a:t>Weighting: Ranks valid hosts (e.g., Emptiest first).</a:t>
-            </a:r>
-          </a:p>
-          <a:p>
-            <a:pPr>
-              <a:spcBef>
-                <a:spcPts val="800"/>
-              </a:spcBef>
-              <a:spcAft>
-                <a:spcPts val="800"/>
-              </a:spcAft>
-              <a:defRPr sz="2000">
-                <a:solidFill>
-                  <a:srgbClr val="FFFFFF"/>
-                </a:solidFill>
-              </a:defRPr>
-            </a:pPr>
-            <a:r>
-              <a:t>Goal: Select the single best host (Candidate) for the VM.</a:t>
-            </a:r>
-          </a:p>
-          <a:p>
-            <a:pPr>
-              <a:spcBef>
-                <a:spcPts val="800"/>
-              </a:spcBef>
-              <a:spcAft>
-                <a:spcPts val="800"/>
-              </a:spcAft>
-              <a:defRPr sz="2000">
-                <a:solidFill>
-                  <a:srgbClr val="FFFFFF"/>
-                </a:solidFill>
-              </a:defRPr>
-            </a:pPr>
-            <a:r>
-              <a:t>What is the difference between "Stacking" and "Spreading" strategies?</a:t>
-            </a:r>
-          </a:p>
-          <a:p>
-            <a:pPr>
-              <a:spcBef>
-                <a:spcPts val="800"/>
-              </a:spcBef>
-              <a:spcAft>
-                <a:spcPts val="800"/>
-              </a:spcAft>
-              <a:defRPr sz="2000">
-                <a:solidFill>
-                  <a:srgbClr val="FFFFFF"/>
-                </a:solidFill>
-              </a:defRPr>
-            </a:pPr>
-            <a:r>
-              <a:t>Which filter ensures a VM lands on a host with a GPU?</a:t>
+              <a:t>Spreading Strategy (Default): Places the VM on the emptiest possible server to maximize performance and minimize the "noisy neighbor" effect.</a:t>
             </a:r>
           </a:p>
         </p:txBody>
@@ -7329,6 +7334,204 @@
 </file>
 
 <file path=ppt/slides/slide16.xml><?xml version="1.0" encoding="utf-8"?>
+<p:sld xmlns:a="http://schemas.openxmlformats.org/drawingml/2006/main" xmlns:p="http://schemas.openxmlformats.org/presentationml/2006/main" xmlns:r="http://schemas.openxmlformats.org/officeDocument/2006/relationships">
+  <p:cSld>
+    <p:bg>
+      <p:bgPr>
+        <a:solidFill>
+          <a:srgbClr val="142A46"/>
+        </a:solidFill>
+        <a:effectLst/>
+      </p:bgPr>
+    </p:bg>
+    <p:spTree>
+      <p:nvGrpSpPr>
+        <p:cNvPr id="1" name=""/>
+        <p:cNvGrpSpPr/>
+        <p:nvPr/>
+      </p:nvGrpSpPr>
+      <p:grpSpPr/>
+      <p:pic>
+        <p:nvPicPr>
+          <p:cNvPr id="2" name="Picture 1" descr="ops3_logo.png"/>
+          <p:cNvPicPr>
+            <a:picLocks noChangeAspect="1"/>
+          </p:cNvPicPr>
+          <p:nvPr/>
+        </p:nvPicPr>
+        <p:blipFill>
+          <a:blip r:embed="rId2"/>
+          <a:stretch>
+            <a:fillRect/>
+          </a:stretch>
+        </p:blipFill>
+        <p:spPr>
+          <a:xfrm>
+            <a:off x="274320" y="274320"/>
+            <a:ext cx="581649" cy="548640"/>
+          </a:xfrm>
+          <a:prstGeom prst="rect">
+            <a:avLst/>
+          </a:prstGeom>
+        </p:spPr>
+      </p:pic>
+      <p:sp>
+        <p:nvSpPr>
+          <p:cNvPr id="3" name="TextBox 2"/>
+          <p:cNvSpPr txBox="1"/>
+          <p:nvPr/>
+        </p:nvSpPr>
+        <p:spPr>
+          <a:xfrm>
+            <a:off x="457200" y="914400"/>
+            <a:ext cx="8229600" cy="640080"/>
+          </a:xfrm>
+          <a:prstGeom prst="rect">
+            <a:avLst/>
+          </a:prstGeom>
+          <a:noFill/>
+        </p:spPr>
+        <p:txBody>
+          <a:bodyPr wrap="none">
+            <a:spAutoFit/>
+          </a:bodyPr>
+          <a:lstStyle/>
+          <a:p>
+            <a:pPr>
+              <a:defRPr sz="3200" b="1">
+                <a:solidFill>
+                  <a:srgbClr val="C9984A"/>
+                </a:solidFill>
+              </a:defRPr>
+            </a:pPr>
+            <a:r>
+              <a:t>Section 3 Checkpoint</a:t>
+            </a:r>
+          </a:p>
+        </p:txBody>
+      </p:sp>
+      <p:sp>
+        <p:nvSpPr>
+          <p:cNvPr id="4" name="TextBox 3"/>
+          <p:cNvSpPr txBox="1"/>
+          <p:nvPr/>
+        </p:nvSpPr>
+        <p:spPr>
+          <a:xfrm>
+            <a:off x="731520" y="1737360"/>
+            <a:ext cx="7680960" cy="4389120"/>
+          </a:xfrm>
+          <a:prstGeom prst="rect">
+            <a:avLst/>
+          </a:prstGeom>
+          <a:noFill/>
+        </p:spPr>
+        <p:txBody>
+          <a:bodyPr wrap="square">
+            <a:spAutoFit/>
+          </a:bodyPr>
+          <a:lstStyle/>
+          <a:p>
+            <a:pPr>
+              <a:spcBef>
+                <a:spcPts val="800"/>
+              </a:spcBef>
+              <a:spcAft>
+                <a:spcPts val="800"/>
+              </a:spcAft>
+              <a:defRPr sz="2000">
+                <a:solidFill>
+                  <a:srgbClr val="FFFFFF"/>
+                </a:solidFill>
+              </a:defRPr>
+            </a:pPr>
+            <a:r>
+              <a:t>Filtering: Removes invalid hosts (e.g., Not enough RAM).</a:t>
+            </a:r>
+          </a:p>
+          <a:p>
+            <a:pPr>
+              <a:spcBef>
+                <a:spcPts val="800"/>
+              </a:spcBef>
+              <a:spcAft>
+                <a:spcPts val="800"/>
+              </a:spcAft>
+              <a:defRPr sz="2000">
+                <a:solidFill>
+                  <a:srgbClr val="FFFFFF"/>
+                </a:solidFill>
+              </a:defRPr>
+            </a:pPr>
+            <a:r>
+              <a:t>Weighting: Ranks valid hosts (e.g., Emptiest first).</a:t>
+            </a:r>
+          </a:p>
+          <a:p>
+            <a:pPr>
+              <a:spcBef>
+                <a:spcPts val="800"/>
+              </a:spcBef>
+              <a:spcAft>
+                <a:spcPts val="800"/>
+              </a:spcAft>
+              <a:defRPr sz="2000">
+                <a:solidFill>
+                  <a:srgbClr val="FFFFFF"/>
+                </a:solidFill>
+              </a:defRPr>
+            </a:pPr>
+            <a:r>
+              <a:t>Goal: Select the single best host (Candidate) for the VM.</a:t>
+            </a:r>
+          </a:p>
+          <a:p>
+            <a:pPr>
+              <a:spcBef>
+                <a:spcPts val="800"/>
+              </a:spcBef>
+              <a:spcAft>
+                <a:spcPts val="800"/>
+              </a:spcAft>
+              <a:defRPr sz="2000">
+                <a:solidFill>
+                  <a:srgbClr val="FFFFFF"/>
+                </a:solidFill>
+              </a:defRPr>
+            </a:pPr>
+            <a:r>
+              <a:t>What is the difference between "Stacking" and "Spreading" strategies?</a:t>
+            </a:r>
+          </a:p>
+          <a:p>
+            <a:pPr>
+              <a:spcBef>
+                <a:spcPts val="800"/>
+              </a:spcBef>
+              <a:spcAft>
+                <a:spcPts val="800"/>
+              </a:spcAft>
+              <a:defRPr sz="2000">
+                <a:solidFill>
+                  <a:srgbClr val="FFFFFF"/>
+                </a:solidFill>
+              </a:defRPr>
+            </a:pPr>
+            <a:r>
+              <a:t>Which filter ensures a VM lands on a host with a GPU?</a:t>
+            </a:r>
+          </a:p>
+        </p:txBody>
+      </p:sp>
+    </p:spTree>
+  </p:cSld>
+  <p:clrMapOvr>
+    <a:masterClrMapping/>
+  </p:clrMapOvr>
+</p:sld>
+</file>
+
+<file path=ppt/slides/slide17.xml><?xml version="1.0" encoding="utf-8"?>
 <p:sld xmlns:a="http://schemas.openxmlformats.org/drawingml/2006/main" xmlns:p="http://schemas.openxmlformats.org/presentationml/2006/main" xmlns:r="http://schemas.openxmlformats.org/officeDocument/2006/relationships">
   <p:cSld>
     <p:bg>
@@ -7401,204 +7604,6 @@
             </a:pPr>
             <a:r>
               <a:t>4. The Instance Lifecycle (State Machine)</a:t>
-            </a:r>
-          </a:p>
-        </p:txBody>
-      </p:sp>
-    </p:spTree>
-  </p:cSld>
-  <p:clrMapOvr>
-    <a:masterClrMapping/>
-  </p:clrMapOvr>
-</p:sld>
-</file>
-
-<file path=ppt/slides/slide17.xml><?xml version="1.0" encoding="utf-8"?>
-<p:sld xmlns:a="http://schemas.openxmlformats.org/drawingml/2006/main" xmlns:p="http://schemas.openxmlformats.org/presentationml/2006/main" xmlns:r="http://schemas.openxmlformats.org/officeDocument/2006/relationships">
-  <p:cSld>
-    <p:bg>
-      <p:bgPr>
-        <a:solidFill>
-          <a:srgbClr val="142A46"/>
-        </a:solidFill>
-        <a:effectLst/>
-      </p:bgPr>
-    </p:bg>
-    <p:spTree>
-      <p:nvGrpSpPr>
-        <p:cNvPr id="1" name=""/>
-        <p:cNvGrpSpPr/>
-        <p:nvPr/>
-      </p:nvGrpSpPr>
-      <p:grpSpPr/>
-      <p:pic>
-        <p:nvPicPr>
-          <p:cNvPr id="2" name="Picture 1" descr="ops3_logo.png"/>
-          <p:cNvPicPr>
-            <a:picLocks noChangeAspect="1"/>
-          </p:cNvPicPr>
-          <p:nvPr/>
-        </p:nvPicPr>
-        <p:blipFill>
-          <a:blip r:embed="rId2"/>
-          <a:stretch>
-            <a:fillRect/>
-          </a:stretch>
-        </p:blipFill>
-        <p:spPr>
-          <a:xfrm>
-            <a:off x="274320" y="274320"/>
-            <a:ext cx="581649" cy="548640"/>
-          </a:xfrm>
-          <a:prstGeom prst="rect">
-            <a:avLst/>
-          </a:prstGeom>
-        </p:spPr>
-      </p:pic>
-      <p:sp>
-        <p:nvSpPr>
-          <p:cNvPr id="3" name="TextBox 2"/>
-          <p:cNvSpPr txBox="1"/>
-          <p:nvPr/>
-        </p:nvSpPr>
-        <p:spPr>
-          <a:xfrm>
-            <a:off x="457200" y="914400"/>
-            <a:ext cx="8229600" cy="640080"/>
-          </a:xfrm>
-          <a:prstGeom prst="rect">
-            <a:avLst/>
-          </a:prstGeom>
-          <a:noFill/>
-        </p:spPr>
-        <p:txBody>
-          <a:bodyPr wrap="none">
-            <a:spAutoFit/>
-          </a:bodyPr>
-          <a:lstStyle/>
-          <a:p>
-            <a:pPr>
-              <a:defRPr sz="3200" b="1">
-                <a:solidFill>
-                  <a:srgbClr val="C9984A"/>
-                </a:solidFill>
-              </a:defRPr>
-            </a:pPr>
-            <a:r>
-              <a:t>Section 4 Checkpoint (Part 1)</a:t>
-            </a:r>
-          </a:p>
-        </p:txBody>
-      </p:sp>
-      <p:sp>
-        <p:nvSpPr>
-          <p:cNvPr id="4" name="TextBox 3"/>
-          <p:cNvSpPr txBox="1"/>
-          <p:nvPr/>
-        </p:nvSpPr>
-        <p:spPr>
-          <a:xfrm>
-            <a:off x="731520" y="1737360"/>
-            <a:ext cx="7680960" cy="4389120"/>
-          </a:xfrm>
-          <a:prstGeom prst="rect">
-            <a:avLst/>
-          </a:prstGeom>
-          <a:noFill/>
-        </p:spPr>
-        <p:txBody>
-          <a:bodyPr wrap="square">
-            <a:spAutoFit/>
-          </a:bodyPr>
-          <a:lstStyle/>
-          <a:p>
-            <a:pPr>
-              <a:spcBef>
-                <a:spcPts val="800"/>
-              </a:spcBef>
-              <a:spcAft>
-                <a:spcPts val="800"/>
-              </a:spcAft>
-              <a:defRPr sz="2000">
-                <a:solidFill>
-                  <a:srgbClr val="FFFFFF"/>
-                </a:solidFill>
-              </a:defRPr>
-            </a:pPr>
-            <a:r>
-              <a:t>BUILD: Scheduling and Networking in progress.</a:t>
-            </a:r>
-          </a:p>
-          <a:p>
-            <a:pPr>
-              <a:spcBef>
-                <a:spcPts val="800"/>
-              </a:spcBef>
-              <a:spcAft>
-                <a:spcPts val="800"/>
-              </a:spcAft>
-              <a:defRPr sz="2000">
-                <a:solidFill>
-                  <a:srgbClr val="FFFFFF"/>
-                </a:solidFill>
-              </a:defRPr>
-            </a:pPr>
-            <a:r>
-              <a:t>ACTIVE: VM is running on the Hypervisor.</a:t>
-            </a:r>
-          </a:p>
-          <a:p>
-            <a:pPr>
-              <a:spcBef>
-                <a:spcPts val="800"/>
-              </a:spcBef>
-              <a:spcAft>
-                <a:spcPts val="800"/>
-              </a:spcAft>
-              <a:defRPr sz="2000">
-                <a:solidFill>
-                  <a:srgbClr val="FFFFFF"/>
-                </a:solidFill>
-              </a:defRPr>
-            </a:pPr>
-            <a:r>
-              <a:t>ERROR: Something went wrong (Check logs).</a:t>
-            </a:r>
-          </a:p>
-          <a:p>
-            <a:pPr>
-              <a:spcBef>
-                <a:spcPts val="800"/>
-              </a:spcBef>
-              <a:spcAft>
-                <a:spcPts val="800"/>
-              </a:spcAft>
-              <a:defRPr sz="2000">
-                <a:solidFill>
-                  <a:srgbClr val="FFFFFF"/>
-                </a:solidFill>
-              </a:defRPr>
-            </a:pPr>
-            <a:r>
-              <a:t>SHELVED: VM offloaded to disk.</a:t>
-            </a:r>
-          </a:p>
-          <a:p>
-            <a:pPr>
-              <a:spcBef>
-                <a:spcPts val="800"/>
-              </a:spcBef>
-              <a:spcAft>
-                <a:spcPts val="800"/>
-              </a:spcAft>
-              <a:defRPr sz="2000">
-                <a:solidFill>
-                  <a:srgbClr val="FFFFFF"/>
-                </a:solidFill>
-              </a:defRPr>
-            </a:pPr>
-            <a:r>
-              <a:t>What happens during the "Spawning" phase?</a:t>
             </a:r>
           </a:p>
         </p:txBody>
@@ -7683,7 +7688,7 @@
               </a:defRPr>
             </a:pPr>
             <a:r>
-              <a:t>Section 4 Checkpoint (Part 2)</a:t>
+              <a:t>Section 4 Checkpoint (Part 1)</a:t>
             </a:r>
           </a:p>
         </p:txBody>
@@ -7724,7 +7729,79 @@
               </a:defRPr>
             </a:pPr>
             <a:r>
-              <a:t>How does SHELVED differ from a simple Shutdown?</a:t>
+              <a:t>BUILD: Scheduling and Networking in progress.</a:t>
+            </a:r>
+          </a:p>
+          <a:p>
+            <a:pPr>
+              <a:spcBef>
+                <a:spcPts val="800"/>
+              </a:spcBef>
+              <a:spcAft>
+                <a:spcPts val="800"/>
+              </a:spcAft>
+              <a:defRPr sz="2000">
+                <a:solidFill>
+                  <a:srgbClr val="FFFFFF"/>
+                </a:solidFill>
+              </a:defRPr>
+            </a:pPr>
+            <a:r>
+              <a:t>ACTIVE: VM is running on the Hypervisor.</a:t>
+            </a:r>
+          </a:p>
+          <a:p>
+            <a:pPr>
+              <a:spcBef>
+                <a:spcPts val="800"/>
+              </a:spcBef>
+              <a:spcAft>
+                <a:spcPts val="800"/>
+              </a:spcAft>
+              <a:defRPr sz="2000">
+                <a:solidFill>
+                  <a:srgbClr val="FFFFFF"/>
+                </a:solidFill>
+              </a:defRPr>
+            </a:pPr>
+            <a:r>
+              <a:t>ERROR: Something went wrong (Check logs).</a:t>
+            </a:r>
+          </a:p>
+          <a:p>
+            <a:pPr>
+              <a:spcBef>
+                <a:spcPts val="800"/>
+              </a:spcBef>
+              <a:spcAft>
+                <a:spcPts val="800"/>
+              </a:spcAft>
+              <a:defRPr sz="2000">
+                <a:solidFill>
+                  <a:srgbClr val="FFFFFF"/>
+                </a:solidFill>
+              </a:defRPr>
+            </a:pPr>
+            <a:r>
+              <a:t>SHELVED: VM offloaded to disk.</a:t>
+            </a:r>
+          </a:p>
+          <a:p>
+            <a:pPr>
+              <a:spcBef>
+                <a:spcPts val="800"/>
+              </a:spcBef>
+              <a:spcAft>
+                <a:spcPts val="800"/>
+              </a:spcAft>
+              <a:defRPr sz="2000">
+                <a:solidFill>
+                  <a:srgbClr val="FFFFFF"/>
+                </a:solidFill>
+              </a:defRPr>
+            </a:pPr>
+            <a:r>
+              <a:t>What happens during the "Spawning" phase?</a:t>
             </a:r>
           </a:p>
         </p:txBody>
@@ -7809,7 +7886,7 @@
               </a:defRPr>
             </a:pPr>
             <a:r>
-              <a:t>5. Operations Cookbook (CLI): Launching Nebula Inc.</a:t>
+              <a:t>Section 4 Checkpoint (Part 2)</a:t>
             </a:r>
           </a:p>
         </p:txBody>
@@ -7850,61 +7927,7 @@
               </a:defRPr>
             </a:pPr>
             <a:r>
-              <a:t>In Week 8, we established the digital foundation for Nebula Inc.</a:t>
-            </a:r>
-          </a:p>
-          <a:p>
-            <a:pPr>
-              <a:spcBef>
-                <a:spcPts val="800"/>
-              </a:spcBef>
-              <a:spcAft>
-                <a:spcPts val="800"/>
-              </a:spcAft>
-              <a:defRPr sz="2000">
-                <a:solidFill>
-                  <a:srgbClr val="FFFFFF"/>
-                </a:solidFill>
-              </a:defRPr>
-            </a:pPr>
-            <a:r>
-              <a:t>We created the Project (nebula_prod), hired the User (nebula_admin), and wired the Office Network (nebula_net).</a:t>
-            </a:r>
-          </a:p>
-          <a:p>
-            <a:pPr>
-              <a:spcBef>
-                <a:spcPts val="800"/>
-              </a:spcBef>
-              <a:spcAft>
-                <a:spcPts val="800"/>
-              </a:spcAft>
-              <a:defRPr sz="2000">
-                <a:solidFill>
-                  <a:srgbClr val="FFFFFF"/>
-                </a:solidFill>
-              </a:defRPr>
-            </a:pPr>
-            <a:r>
-              <a:t>However, the data center currently sits empty.</a:t>
-            </a:r>
-          </a:p>
-          <a:p>
-            <a:pPr>
-              <a:spcBef>
-                <a:spcPts val="800"/>
-              </a:spcBef>
-              <a:spcAft>
-                <a:spcPts val="800"/>
-              </a:spcAft>
-              <a:defRPr sz="2000">
-                <a:solidFill>
-                  <a:srgbClr val="FFFFFF"/>
-                </a:solidFill>
-              </a:defRPr>
-            </a:pPr>
-            <a:r>
-              <a:t>To bring the company online, we must now define the virtual hardware standards (Flavors), issue security credentials (Keys &amp; Groups), and finally press the "Power On" button for their first Web Server.</a:t>
+              <a:t>How does SHELVED differ from a simple Shutdown?</a:t>
             </a:r>
           </a:p>
         </p:txBody>
@@ -7923,7 +7946,7 @@
     <p:bg>
       <p:bgPr>
         <a:solidFill>
-          <a:srgbClr val="1E3A5F"/>
+          <a:srgbClr val="142A46"/>
         </a:solidFill>
         <a:effectLst/>
       </p:bgPr>
@@ -7967,8 +7990,8 @@
         </p:nvSpPr>
         <p:spPr>
           <a:xfrm>
-            <a:off x="914400" y="2286000"/>
-            <a:ext cx="7315200" cy="1828800"/>
+            <a:off x="457200" y="914400"/>
+            <a:ext cx="8229600" cy="640080"/>
           </a:xfrm>
           <a:prstGeom prst="rect">
             <a:avLst/>
@@ -7976,20 +7999,151 @@
           <a:noFill/>
         </p:spPr>
         <p:txBody>
+          <a:bodyPr wrap="none">
+            <a:spAutoFit/>
+          </a:bodyPr>
+          <a:lstStyle/>
+          <a:p>
+            <a:pPr>
+              <a:defRPr sz="3600" b="1">
+                <a:solidFill>
+                  <a:srgbClr val="C9984A"/>
+                </a:solidFill>
+              </a:defRPr>
+            </a:pPr>
+            <a:r>
+              <a:t>What You Will Learn This Week</a:t>
+            </a:r>
+          </a:p>
+        </p:txBody>
+      </p:sp>
+      <p:sp>
+        <p:nvSpPr>
+          <p:cNvPr id="4" name="TextBox 3"/>
+          <p:cNvSpPr txBox="1"/>
+          <p:nvPr/>
+        </p:nvSpPr>
+        <p:spPr>
+          <a:xfrm>
+            <a:off x="1097280" y="2011680"/>
+            <a:ext cx="6949440" cy="4114800"/>
+          </a:xfrm>
+          <a:prstGeom prst="rect">
+            <a:avLst/>
+          </a:prstGeom>
+          <a:noFill/>
+        </p:spPr>
+        <p:txBody>
           <a:bodyPr wrap="square">
             <a:spAutoFit/>
           </a:bodyPr>
           <a:lstStyle/>
           <a:p>
-            <a:pPr algn="ctr">
-              <a:defRPr sz="4800" b="1">
-                <a:solidFill>
-                  <a:srgbClr val="C9984A"/>
-                </a:solidFill>
-              </a:defRPr>
-            </a:pPr>
-            <a:r>
-              <a:t>1. Introduction to OpenStack Compute (Nova)</a:t>
+            <a:pPr>
+              <a:spcBef>
+                <a:spcPts val="1000"/>
+              </a:spcBef>
+              <a:spcAft>
+                <a:spcPts val="1000"/>
+              </a:spcAft>
+              <a:defRPr sz="2200">
+                <a:solidFill>
+                  <a:srgbClr val="FFFFFF"/>
+                </a:solidFill>
+              </a:defRPr>
+            </a:pPr>
+            <a:r>
+              <a:t>Understand 1. introduction to openstack compute (nova)</a:t>
+            </a:r>
+          </a:p>
+          <a:p>
+            <a:pPr>
+              <a:spcBef>
+                <a:spcPts val="1000"/>
+              </a:spcBef>
+              <a:spcAft>
+                <a:spcPts val="1000"/>
+              </a:spcAft>
+              <a:defRPr sz="2200">
+                <a:solidFill>
+                  <a:srgbClr val="FFFFFF"/>
+                </a:solidFill>
+              </a:defRPr>
+            </a:pPr>
+            <a:r>
+              <a:t>Understand 2. nova component anatomy</a:t>
+            </a:r>
+          </a:p>
+          <a:p>
+            <a:pPr>
+              <a:spcBef>
+                <a:spcPts val="1000"/>
+              </a:spcBef>
+              <a:spcAft>
+                <a:spcPts val="1000"/>
+              </a:spcAft>
+              <a:defRPr sz="2200">
+                <a:solidFill>
+                  <a:srgbClr val="FFFFFF"/>
+                </a:solidFill>
+              </a:defRPr>
+            </a:pPr>
+            <a:r>
+              <a:t>Understand 3. the scheduling algorithm (the decision process)</a:t>
+            </a:r>
+          </a:p>
+          <a:p>
+            <a:pPr>
+              <a:spcBef>
+                <a:spcPts val="1000"/>
+              </a:spcBef>
+              <a:spcAft>
+                <a:spcPts val="1000"/>
+              </a:spcAft>
+              <a:defRPr sz="2200">
+                <a:solidFill>
+                  <a:srgbClr val="FFFFFF"/>
+                </a:solidFill>
+              </a:defRPr>
+            </a:pPr>
+            <a:r>
+              <a:t>Understand 4. the instance lifecycle (state machine)</a:t>
+            </a:r>
+          </a:p>
+          <a:p>
+            <a:pPr>
+              <a:spcBef>
+                <a:spcPts val="1000"/>
+              </a:spcBef>
+              <a:spcAft>
+                <a:spcPts val="1000"/>
+              </a:spcAft>
+              <a:defRPr sz="2200">
+                <a:solidFill>
+                  <a:srgbClr val="FFFFFF"/>
+                </a:solidFill>
+              </a:defRPr>
+            </a:pPr>
+            <a:r>
+              <a:t>Understand 6. industry comparison: the "polyglot" cloud engineer</a:t>
+            </a:r>
+          </a:p>
+          <a:p>
+            <a:pPr>
+              <a:spcBef>
+                <a:spcPts val="1000"/>
+              </a:spcBef>
+              <a:spcAft>
+                <a:spcPts val="1000"/>
+              </a:spcAft>
+              <a:defRPr sz="2200">
+                <a:solidFill>
+                  <a:srgbClr val="FFFFFF"/>
+                </a:solidFill>
+              </a:defRPr>
+            </a:pPr>
+            <a:r>
+              <a:t>Understand 7. summary and next steps</a:t>
             </a:r>
           </a:p>
         </p:txBody>
@@ -8074,7 +8228,7 @@
               </a:defRPr>
             </a:pPr>
             <a:r>
-              <a:t>5.1 Defining Flavors (Capacity) (Part 1)</a:t>
+              <a:t>5. Operations Cookbook (CLI): Launching Nebula Inc.</a:t>
             </a:r>
           </a:p>
         </p:txBody>
@@ -8115,7 +8269,7 @@
               </a:defRPr>
             </a:pPr>
             <a:r>
-              <a:t>Public Cloud (AWS/Azure): You are a Consumer. You cannot create new sizes; you can only Select from the menu Amazon provides (t2.micro, m5.large).</a:t>
+              <a:t>In Week 8, we established the digital foundation for Nebula Inc.</a:t>
             </a:r>
           </a:p>
           <a:p>
@@ -8133,7 +8287,7 @@
               </a:defRPr>
             </a:pPr>
             <a:r>
-              <a:t>Private Cloud (OpenStack): You are the Provider. It is your job to Create the menu that your users will select from.</a:t>
+              <a:t>We created the Project (nebula_prod), hired the User (nebula_admin), and wired the Office Network (nebula_net).</a:t>
             </a:r>
           </a:p>
           <a:p>
@@ -8151,7 +8305,7 @@
               </a:defRPr>
             </a:pPr>
             <a:r>
-              <a:t>m1: Generation/Class. (e.g., "m" for General Purpose, "1" for 1st Generation). This mirrors AWS naming (e.g., t2.micro = Burstable, 2nd Gen).</a:t>
+              <a:t>However, the data center currently sits empty.</a:t>
             </a:r>
           </a:p>
           <a:p>
@@ -8169,25 +8323,7 @@
               </a:defRPr>
             </a:pPr>
             <a:r>
-              <a:t>nebula: Family. Identifies this as a custom flavor for our organization.</a:t>
-            </a:r>
-          </a:p>
-          <a:p>
-            <a:pPr>
-              <a:spcBef>
-                <a:spcPts val="800"/>
-              </a:spcBef>
-              <a:spcAft>
-                <a:spcPts val="800"/>
-              </a:spcAft>
-              <a:defRPr sz="2000">
-                <a:solidFill>
-                  <a:srgbClr val="FFFFFF"/>
-                </a:solidFill>
-              </a:defRPr>
-            </a:pPr>
-            <a:r>
-              <a:t>micro: Size. Indicates relative capacity (Micro &lt; Small &lt; Medium).</a:t>
+              <a:t>To bring the company online, we must now define the virtual hardware standards (Flavors), issue security credentials (Keys &amp; Groups), and finally press the "Power On" button for their first Web Server.</a:t>
             </a:r>
           </a:p>
         </p:txBody>
@@ -8272,7 +8408,7 @@
               </a:defRPr>
             </a:pPr>
             <a:r>
-              <a:t>5.1 Defining Flavors (Capacity) (Part 2)</a:t>
+              <a:t>5.1 Defining Flavors (Capacity) (Part 1)</a:t>
             </a:r>
           </a:p>
         </p:txBody>
@@ -8313,7 +8449,79 @@
               </a:defRPr>
             </a:pPr>
             <a:r>
-              <a:t>Result: We have added a new item to the menu. Users can now select m1.nebula_micro when launching instances.</a:t>
+              <a:t>Public Cloud (AWS/Azure): You are a Consumer. You cannot create new sizes; you can only Select from the menu Amazon provides (t2.micro, m5.large).</a:t>
+            </a:r>
+          </a:p>
+          <a:p>
+            <a:pPr>
+              <a:spcBef>
+                <a:spcPts val="800"/>
+              </a:spcBef>
+              <a:spcAft>
+                <a:spcPts val="800"/>
+              </a:spcAft>
+              <a:defRPr sz="2000">
+                <a:solidFill>
+                  <a:srgbClr val="FFFFFF"/>
+                </a:solidFill>
+              </a:defRPr>
+            </a:pPr>
+            <a:r>
+              <a:t>Private Cloud (OpenStack): You are the Provider. It is your job to Create the menu that your users will select from.</a:t>
+            </a:r>
+          </a:p>
+          <a:p>
+            <a:pPr>
+              <a:spcBef>
+                <a:spcPts val="800"/>
+              </a:spcBef>
+              <a:spcAft>
+                <a:spcPts val="800"/>
+              </a:spcAft>
+              <a:defRPr sz="2000">
+                <a:solidFill>
+                  <a:srgbClr val="FFFFFF"/>
+                </a:solidFill>
+              </a:defRPr>
+            </a:pPr>
+            <a:r>
+              <a:t>m1: Generation/Class. (e.g., "m" for General Purpose, "1" for 1st Generation). This mirrors AWS naming (e.g., t2.micro = Burstable, 2nd Gen).</a:t>
+            </a:r>
+          </a:p>
+          <a:p>
+            <a:pPr>
+              <a:spcBef>
+                <a:spcPts val="800"/>
+              </a:spcBef>
+              <a:spcAft>
+                <a:spcPts val="800"/>
+              </a:spcAft>
+              <a:defRPr sz="2000">
+                <a:solidFill>
+                  <a:srgbClr val="FFFFFF"/>
+                </a:solidFill>
+              </a:defRPr>
+            </a:pPr>
+            <a:r>
+              <a:t>nebula: Family. Identifies this as a custom flavor for our organization.</a:t>
+            </a:r>
+          </a:p>
+          <a:p>
+            <a:pPr>
+              <a:spcBef>
+                <a:spcPts val="800"/>
+              </a:spcBef>
+              <a:spcAft>
+                <a:spcPts val="800"/>
+              </a:spcAft>
+              <a:defRPr sz="2000">
+                <a:solidFill>
+                  <a:srgbClr val="FFFFFF"/>
+                </a:solidFill>
+              </a:defRPr>
+            </a:pPr>
+            <a:r>
+              <a:t>micro: Size. Indicates relative capacity (Micro &lt; Small &lt; Medium).</a:t>
             </a:r>
           </a:p>
         </p:txBody>
@@ -8398,7 +8606,7 @@
               </a:defRPr>
             </a:pPr>
             <a:r>
-              <a:t>5.2 Securing Access (Keys &amp; Groups)</a:t>
+              <a:t>5.1 Defining Flavors (Capacity) (Part 2)</a:t>
             </a:r>
           </a:p>
         </p:txBody>
@@ -8439,7 +8647,7 @@
               </a:defRPr>
             </a:pPr>
             <a:r>
-              <a:t>Security in the cloud is a two-layered approach. First, we must secure Identity (proving who you are) using Keypairs. Second, we must secure the Network (controlling traffic flow) using Security Groups. You cannot access a VM unless both of these layers are correctly configured.</a:t>
+              <a:t>Result: We have added a new item to the menu. Users can now select m1.nebula_micro when launching instances.</a:t>
             </a:r>
           </a:p>
         </p:txBody>
@@ -8524,7 +8732,7 @@
               </a:defRPr>
             </a:pPr>
             <a:r>
-              <a:t>5.2.1 Keypairs (Login Access) (Part 1)</a:t>
+              <a:t>5.2 Securing Access (Keys &amp; Groups)</a:t>
             </a:r>
           </a:p>
         </p:txBody>
@@ -8565,79 +8773,7 @@
               </a:defRPr>
             </a:pPr>
             <a:r>
-              <a:t>Unlike traditional servers where you set a root password, Cloud images (AWS, Azure, OpenStack) verify identity using Asymmetric Cryptography.</a:t>
-            </a:r>
-          </a:p>
-          <a:p>
-            <a:pPr>
-              <a:spcBef>
-                <a:spcPts val="800"/>
-              </a:spcBef>
-              <a:spcAft>
-                <a:spcPts val="800"/>
-              </a:spcAft>
-              <a:defRPr sz="2000">
-                <a:solidFill>
-                  <a:srgbClr val="FFFFFF"/>
-                </a:solidFill>
-              </a:defRPr>
-            </a:pPr>
-            <a:r>
-              <a:t>This mechanism leverages a "Lock and Key" relationship to secure access.</a:t>
-            </a:r>
-          </a:p>
-          <a:p>
-            <a:pPr>
-              <a:spcBef>
-                <a:spcPts val="800"/>
-              </a:spcBef>
-              <a:spcAft>
-                <a:spcPts val="800"/>
-              </a:spcAft>
-              <a:defRPr sz="2000">
-                <a:solidFill>
-                  <a:srgbClr val="FFFFFF"/>
-                </a:solidFill>
-              </a:defRPr>
-            </a:pPr>
-            <a:r>
-              <a:t>The Public Key acts as the "Lock"; you upload this to the cloud, and Nova injects it into the VM's .ssh/authorized_keys file during boot.</a:t>
-            </a:r>
-          </a:p>
-          <a:p>
-            <a:pPr>
-              <a:spcBef>
-                <a:spcPts val="800"/>
-              </a:spcBef>
-              <a:spcAft>
-                <a:spcPts val="800"/>
-              </a:spcAft>
-              <a:defRPr sz="2000">
-                <a:solidFill>
-                  <a:srgbClr val="FFFFFF"/>
-                </a:solidFill>
-              </a:defRPr>
-            </a:pPr>
-            <a:r>
-              <a:t>It is safe to share and visible to anyone.</a:t>
-            </a:r>
-          </a:p>
-          <a:p>
-            <a:pPr>
-              <a:spcBef>
-                <a:spcPts val="800"/>
-              </a:spcBef>
-              <a:spcAft>
-                <a:spcPts val="800"/>
-              </a:spcAft>
-              <a:defRPr sz="2000">
-                <a:solidFill>
-                  <a:srgbClr val="FFFFFF"/>
-                </a:solidFill>
-              </a:defRPr>
-            </a:pPr>
-            <a:r>
-              <a:t>The Private Key acts as the unique "Key"; you keep this securely on your laptop and must never share it.</a:t>
+              <a:t>Security in the cloud is a two-layered approach. First, we must secure Identity (proving who you are) using Keypairs. Second, we must secure the Network (controlling traffic flow) using Security Groups. You cannot access a VM unless both of these layers are correctly configured.</a:t>
             </a:r>
           </a:p>
         </p:txBody>
@@ -8722,7 +8858,7 @@
               </a:defRPr>
             </a:pPr>
             <a:r>
-              <a:t>5.2.1 Keypairs (Login Access) (Part 2)</a:t>
+              <a:t>5.2.1 Keypairs (Login Access) (Part 1)</a:t>
             </a:r>
           </a:p>
         </p:txBody>
@@ -8763,7 +8899,79 @@
               </a:defRPr>
             </a:pPr>
             <a:r>
-              <a:t>Explanation: This command generates the pair. It stores the Public Key in the Nova Database and writes the Private Key to nebula_key.pem on your disk. The chmod is critical; SSH will refuse to use a key if the file permissions are too open.</a:t>
+              <a:t>Unlike traditional servers where you set a root password, Cloud images (AWS, Azure, OpenStack) verify identity using Asymmetric Cryptography.</a:t>
+            </a:r>
+          </a:p>
+          <a:p>
+            <a:pPr>
+              <a:spcBef>
+                <a:spcPts val="800"/>
+              </a:spcBef>
+              <a:spcAft>
+                <a:spcPts val="800"/>
+              </a:spcAft>
+              <a:defRPr sz="2000">
+                <a:solidFill>
+                  <a:srgbClr val="FFFFFF"/>
+                </a:solidFill>
+              </a:defRPr>
+            </a:pPr>
+            <a:r>
+              <a:t>This mechanism leverages a "Lock and Key" relationship to secure access.</a:t>
+            </a:r>
+          </a:p>
+          <a:p>
+            <a:pPr>
+              <a:spcBef>
+                <a:spcPts val="800"/>
+              </a:spcBef>
+              <a:spcAft>
+                <a:spcPts val="800"/>
+              </a:spcAft>
+              <a:defRPr sz="2000">
+                <a:solidFill>
+                  <a:srgbClr val="FFFFFF"/>
+                </a:solidFill>
+              </a:defRPr>
+            </a:pPr>
+            <a:r>
+              <a:t>The Public Key acts as the "Lock"; you upload this to the cloud, and Nova injects it into the VM's .ssh/authorized_keys file during boot.</a:t>
+            </a:r>
+          </a:p>
+          <a:p>
+            <a:pPr>
+              <a:spcBef>
+                <a:spcPts val="800"/>
+              </a:spcBef>
+              <a:spcAft>
+                <a:spcPts val="800"/>
+              </a:spcAft>
+              <a:defRPr sz="2000">
+                <a:solidFill>
+                  <a:srgbClr val="FFFFFF"/>
+                </a:solidFill>
+              </a:defRPr>
+            </a:pPr>
+            <a:r>
+              <a:t>It is safe to share and visible to anyone.</a:t>
+            </a:r>
+          </a:p>
+          <a:p>
+            <a:pPr>
+              <a:spcBef>
+                <a:spcPts val="800"/>
+              </a:spcBef>
+              <a:spcAft>
+                <a:spcPts val="800"/>
+              </a:spcAft>
+              <a:defRPr sz="2000">
+                <a:solidFill>
+                  <a:srgbClr val="FFFFFF"/>
+                </a:solidFill>
+              </a:defRPr>
+            </a:pPr>
+            <a:r>
+              <a:t>The Private Key acts as the unique "Key"; you keep this securely on your laptop and must never share it.</a:t>
             </a:r>
           </a:p>
         </p:txBody>
@@ -8848,7 +9056,7 @@
               </a:defRPr>
             </a:pPr>
             <a:r>
-              <a:t>5.2.2 Security Groups (The Virtual Firewall) (Part 1)</a:t>
+              <a:t>5.2.1 Keypairs (Login Access) (Part 2)</a:t>
             </a:r>
           </a:p>
         </p:txBody>
@@ -8889,83 +9097,7 @@
               </a:defRPr>
             </a:pPr>
             <a:r>
-              <a:t>Stateful: If you allow a request out (e.g., download update), the return traffic is automatically allowed in.</a:t>
-            </a:r>
-          </a:p>
-          <a:p>
-            <a:pPr>
-              <a:spcBef>
-                <a:spcPts val="800"/>
-              </a:spcBef>
-              <a:spcAft>
-                <a:spcPts val="800"/>
-              </a:spcAft>
-              <a:defRPr sz="2000">
-                <a:solidFill>
-                  <a:srgbClr val="FFFFFF"/>
-                </a:solidFill>
-              </a:defRPr>
-            </a:pPr>
-            <a:r>
-              <a:t>Allow-List: The default policy is "Implicit Deny". All traffic is blocked until you explicitly allow it.</a:t>
-            </a:r>
-          </a:p>
-          <a:p>
-            <a:pPr>
-              <a:spcBef>
-                <a:spcPts val="800"/>
-              </a:spcBef>
-              <a:spcAft>
-                <a:spcPts val="800"/>
-              </a:spcAft>
-              <a:defRPr sz="2000">
-                <a:solidFill>
-                  <a:srgbClr val="FFFFFF"/>
-                </a:solidFill>
-              </a:defRPr>
-            </a:pPr>
-            <a:r>
-              <a:t>Dynamic: Rules are applied immediately to all running instances without rebooting.</a:t>
-            </a:r>
-          </a:p>
-          <a:p>
-            <a:pPr>
-              <a:spcBef>
-                <a:spcPts val="800"/>
-              </a:spcBef>
-              <a:spcAft>
-                <a:spcPts val="800"/>
-              </a:spcAft>
-              <a:defRPr sz="2000">
-                <a:solidFill>
-                  <a:srgbClr val="FFFFFF"/>
-                </a:solidFill>
-              </a:defRPr>
-            </a:pPr>
-            <a:r>
-              <a:t>OpenStack Implementation</a:t>
-            </a:r>
-            <a:br/>
-            <a:r>
-              <a:t>When you create a rule, Neutron communicates with the Open vSwitch (OVS) agent on the Compute Node.</a:t>
-            </a:r>
-          </a:p>
-          <a:p>
-            <a:pPr>
-              <a:spcBef>
-                <a:spcPts val="800"/>
-              </a:spcBef>
-              <a:spcAft>
-                <a:spcPts val="800"/>
-              </a:spcAft>
-              <a:defRPr sz="2000">
-                <a:solidFill>
-                  <a:srgbClr val="FFFFFF"/>
-                </a:solidFill>
-              </a:defRPr>
-            </a:pPr>
-            <a:r>
-              <a:t>It translates your high-level rule (e.g., "Allow Port 80") into low-level OVS Flow Tables or iptables chains on the physical hypervisor.</a:t>
+              <a:t>Explanation: This command generates the pair. It stores the Public Key in the Nova Database and writes the Private Key to nebula_key.pem on your disk. The chmod is critical; SSH will refuse to use a key if the file permissions are too open.</a:t>
             </a:r>
           </a:p>
         </p:txBody>
@@ -9050,7 +9182,7 @@
               </a:defRPr>
             </a:pPr>
             <a:r>
-              <a:t>5.2.2 Security Groups (The Virtual Firewall) (Part 2)</a:t>
+              <a:t>5.2.2 Security Groups (The Virtual Firewall) (Part 1)</a:t>
             </a:r>
           </a:p>
         </p:txBody>
@@ -9091,7 +9223,7 @@
               </a:defRPr>
             </a:pPr>
             <a:r>
-              <a:t>This ensures malicious traffic is dropped on the physical wire before it ever reaches your VM, providing a robust first line of defense.</a:t>
+              <a:t>Stateful: If you allow a request out (e.g., download update), the return traffic is automatically allowed in.</a:t>
             </a:r>
           </a:p>
           <a:p>
@@ -9109,7 +9241,65 @@
               </a:defRPr>
             </a:pPr>
             <a:r>
-              <a:t>Result: The OVS Agent on the compute node intercepts traffic to nebula_web_01 and filters it against these rules.</a:t>
+              <a:t>Allow-List: The default policy is "Implicit Deny". All traffic is blocked until you explicitly allow it.</a:t>
+            </a:r>
+          </a:p>
+          <a:p>
+            <a:pPr>
+              <a:spcBef>
+                <a:spcPts val="800"/>
+              </a:spcBef>
+              <a:spcAft>
+                <a:spcPts val="800"/>
+              </a:spcAft>
+              <a:defRPr sz="2000">
+                <a:solidFill>
+                  <a:srgbClr val="FFFFFF"/>
+                </a:solidFill>
+              </a:defRPr>
+            </a:pPr>
+            <a:r>
+              <a:t>Dynamic: Rules are applied immediately to all running instances without rebooting.</a:t>
+            </a:r>
+          </a:p>
+          <a:p>
+            <a:pPr>
+              <a:spcBef>
+                <a:spcPts val="800"/>
+              </a:spcBef>
+              <a:spcAft>
+                <a:spcPts val="800"/>
+              </a:spcAft>
+              <a:defRPr sz="2000">
+                <a:solidFill>
+                  <a:srgbClr val="FFFFFF"/>
+                </a:solidFill>
+              </a:defRPr>
+            </a:pPr>
+            <a:r>
+              <a:t>OpenStack Implementation</a:t>
+            </a:r>
+            <a:br/>
+            <a:r>
+              <a:t>When you create a rule, Neutron communicates with the Open vSwitch (OVS) agent on the Compute Node.</a:t>
+            </a:r>
+          </a:p>
+          <a:p>
+            <a:pPr>
+              <a:spcBef>
+                <a:spcPts val="800"/>
+              </a:spcBef>
+              <a:spcAft>
+                <a:spcPts val="800"/>
+              </a:spcAft>
+              <a:defRPr sz="2000">
+                <a:solidFill>
+                  <a:srgbClr val="FFFFFF"/>
+                </a:solidFill>
+              </a:defRPr>
+            </a:pPr>
+            <a:r>
+              <a:t>It translates your high-level rule (e.g., "Allow Port 80") into low-level OVS Flow Tables or iptables chains on the physical hypervisor.</a:t>
             </a:r>
           </a:p>
         </p:txBody>
@@ -9194,7 +9384,7 @@
               </a:defRPr>
             </a:pPr>
             <a:r>
-              <a:t>5.3 Launching Instances</a:t>
+              <a:t>5.2.2 Security Groups (The Virtual Firewall) (Part 2)</a:t>
             </a:r>
           </a:p>
         </p:txBody>
@@ -9235,23 +9425,25 @@
               </a:defRPr>
             </a:pPr>
             <a:r>
-              <a:t>Explanation:</a:t>
-            </a:r>
-            <a:br/>
-            <a:r>
-              <a:t>--flavor: Defines the size.</a:t>
-            </a:r>
-            <a:br/>
-            <a:r>
-              <a:t>--image: Defines the software (OS).</a:t>
-            </a:r>
-            <a:br/>
-            <a:r>
-              <a:t>--network: Defines the wiring.</a:t>
-            </a:r>
-            <a:br/>
-            <a:r>
-              <a:t>Result: Triggers the entire scheduling and build process seen in Section 4.</a:t>
+              <a:t>This ensures malicious traffic is dropped on the physical wire before it ever reaches your VM, providing a robust first line of defense.</a:t>
+            </a:r>
+          </a:p>
+          <a:p>
+            <a:pPr>
+              <a:spcBef>
+                <a:spcPts val="800"/>
+              </a:spcBef>
+              <a:spcAft>
+                <a:spcPts val="800"/>
+              </a:spcAft>
+              <a:defRPr sz="2000">
+                <a:solidFill>
+                  <a:srgbClr val="FFFFFF"/>
+                </a:solidFill>
+              </a:defRPr>
+            </a:pPr>
+            <a:r>
+              <a:t>Result: The OVS Agent on the compute node intercepts traffic to nebula_web_01 and filters it against these rules.</a:t>
             </a:r>
           </a:p>
         </p:txBody>
@@ -9336,7 +9528,7 @@
               </a:defRPr>
             </a:pPr>
             <a:r>
-              <a:t>5.4 Day 2 Operations (Debugging &amp; Access)</a:t>
+              <a:t>5.3 Launching Instances</a:t>
             </a:r>
           </a:p>
         </p:txBody>
@@ -9377,7 +9569,23 @@
               </a:defRPr>
             </a:pPr>
             <a:r>
-              <a:t>Explanation: Retrieves the kernel ring buffer (dmesg) and cloud-init output directly from the hypervisor. Use this to find kernel panics or DHCP failures.</a:t>
+              <a:t>Explanation:</a:t>
+            </a:r>
+            <a:br/>
+            <a:r>
+              <a:t>--flavor: Defines the size.</a:t>
+            </a:r>
+            <a:br/>
+            <a:r>
+              <a:t>--image: Defines the software (OS).</a:t>
+            </a:r>
+            <a:br/>
+            <a:r>
+              <a:t>--network: Defines the wiring.</a:t>
+            </a:r>
+            <a:br/>
+            <a:r>
+              <a:t>Result: Triggers the entire scheduling and build process seen in Section 4.</a:t>
             </a:r>
           </a:p>
         </p:txBody>
@@ -9462,7 +9670,7 @@
               </a:defRPr>
             </a:pPr>
             <a:r>
-              <a:t>Section 5 Checkpoint (Part 1)</a:t>
+              <a:t>5.4 Day 2 Operations (Debugging &amp; Access)</a:t>
             </a:r>
           </a:p>
         </p:txBody>
@@ -9503,79 +9711,7 @@
               </a:defRPr>
             </a:pPr>
             <a:r>
-              <a:t>Flavor: Virtual hardware template (CPU/RAM). Provider defines, Consumer selects.</a:t>
-            </a:r>
-          </a:p>
-          <a:p>
-            <a:pPr>
-              <a:spcBef>
-                <a:spcPts val="800"/>
-              </a:spcBef>
-              <a:spcAft>
-                <a:spcPts val="800"/>
-              </a:spcAft>
-              <a:defRPr sz="2000">
-                <a:solidFill>
-                  <a:srgbClr val="FFFFFF"/>
-                </a:solidFill>
-              </a:defRPr>
-            </a:pPr>
-            <a:r>
-              <a:t>Security Group: Stateful virtual firewall. "Implicit Deny" by default.</a:t>
-            </a:r>
-          </a:p>
-          <a:p>
-            <a:pPr>
-              <a:spcBef>
-                <a:spcPts val="800"/>
-              </a:spcBef>
-              <a:spcAft>
-                <a:spcPts val="800"/>
-              </a:spcAft>
-              <a:defRPr sz="2000">
-                <a:solidFill>
-                  <a:srgbClr val="FFFFFF"/>
-                </a:solidFill>
-              </a:defRPr>
-            </a:pPr>
-            <a:r>
-              <a:t>Keypairs: SSH Keys for identity. Private Key never leaves your laptop.</a:t>
-            </a:r>
-          </a:p>
-          <a:p>
-            <a:pPr>
-              <a:spcBef>
-                <a:spcPts val="800"/>
-              </a:spcBef>
-              <a:spcAft>
-                <a:spcPts val="800"/>
-              </a:spcAft>
-              <a:defRPr sz="2000">
-                <a:solidFill>
-                  <a:srgbClr val="FFFFFF"/>
-                </a:solidFill>
-              </a:defRPr>
-            </a:pPr>
-            <a:r>
-              <a:t>Floating IP: Assigns a public address to reach the VM from outside.</a:t>
-            </a:r>
-          </a:p>
-          <a:p>
-            <a:pPr>
-              <a:spcBef>
-                <a:spcPts val="800"/>
-              </a:spcBef>
-              <a:spcAft>
-                <a:spcPts val="800"/>
-              </a:spcAft>
-              <a:defRPr sz="2000">
-                <a:solidFill>
-                  <a:srgbClr val="FFFFFF"/>
-                </a:solidFill>
-              </a:defRPr>
-            </a:pPr>
-            <a:r>
-              <a:t>Why must we use chmod 600 on the private key?</a:t>
+              <a:t>Explanation: Retrieves the kernel ring buffer (dmesg) and cloud-init output directly from the hypervisor. Use this to find kernel panics or DHCP failures.</a:t>
             </a:r>
           </a:p>
         </p:txBody>
@@ -9594,7 +9730,7 @@
     <p:bg>
       <p:bgPr>
         <a:solidFill>
-          <a:srgbClr val="142A46"/>
+          <a:srgbClr val="1E3A5F"/>
         </a:solidFill>
         <a:effectLst/>
       </p:bgPr>
@@ -9638,8 +9774,8 @@
         </p:nvSpPr>
         <p:spPr>
           <a:xfrm>
-            <a:off x="457200" y="914400"/>
-            <a:ext cx="8229600" cy="640080"/>
+            <a:off x="914400" y="2286000"/>
+            <a:ext cx="7315200" cy="1828800"/>
           </a:xfrm>
           <a:prstGeom prst="rect">
             <a:avLst/>
@@ -9647,133 +9783,20 @@
           <a:noFill/>
         </p:spPr>
         <p:txBody>
-          <a:bodyPr wrap="none">
-            <a:spAutoFit/>
-          </a:bodyPr>
-          <a:lstStyle/>
-          <a:p>
-            <a:pPr>
-              <a:defRPr sz="3200" b="1">
-                <a:solidFill>
-                  <a:srgbClr val="C9984A"/>
-                </a:solidFill>
-              </a:defRPr>
-            </a:pPr>
-            <a:r>
-              <a:t>Section 1 Checkpoint</a:t>
-            </a:r>
-          </a:p>
-        </p:txBody>
-      </p:sp>
-      <p:sp>
-        <p:nvSpPr>
-          <p:cNvPr id="4" name="TextBox 3"/>
-          <p:cNvSpPr txBox="1"/>
-          <p:nvPr/>
-        </p:nvSpPr>
-        <p:spPr>
-          <a:xfrm>
-            <a:off x="731520" y="1737360"/>
-            <a:ext cx="7680960" cy="4389120"/>
-          </a:xfrm>
-          <a:prstGeom prst="rect">
-            <a:avLst/>
-          </a:prstGeom>
-          <a:noFill/>
-        </p:spPr>
-        <p:txBody>
           <a:bodyPr wrap="square">
             <a:spAutoFit/>
           </a:bodyPr>
           <a:lstStyle/>
           <a:p>
-            <a:pPr>
-              <a:spcBef>
-                <a:spcPts val="800"/>
-              </a:spcBef>
-              <a:spcAft>
-                <a:spcPts val="800"/>
-              </a:spcAft>
-              <a:defRPr sz="2000">
-                <a:solidFill>
-                  <a:srgbClr val="FFFFFF"/>
-                </a:solidFill>
-              </a:defRPr>
-            </a:pPr>
-            <a:r>
-              <a:t>Nova is the compute controller, equivalent to Microsoft.Compute.</a:t>
-            </a:r>
-          </a:p>
-          <a:p>
-            <a:pPr>
-              <a:spcBef>
-                <a:spcPts val="800"/>
-              </a:spcBef>
-              <a:spcAft>
-                <a:spcPts val="800"/>
-              </a:spcAft>
-              <a:defRPr sz="2000">
-                <a:solidFill>
-                  <a:srgbClr val="FFFFFF"/>
-                </a:solidFill>
-              </a:defRPr>
-            </a:pPr>
-            <a:r>
-              <a:t>Cellular Architecture: Partitions the cloud for scalability and resilience.</a:t>
-            </a:r>
-          </a:p>
-          <a:p>
-            <a:pPr>
-              <a:spcBef>
-                <a:spcPts val="800"/>
-              </a:spcBef>
-              <a:spcAft>
-                <a:spcPts val="800"/>
-              </a:spcAft>
-              <a:defRPr sz="2000">
-                <a:solidFill>
-                  <a:srgbClr val="FFFFFF"/>
-                </a:solidFill>
-              </a:defRPr>
-            </a:pPr>
-            <a:r>
-              <a:t>Hypervisor Agnostic: Nova manages the hypervisor (KVM) but is not the hypervisor itself.</a:t>
-            </a:r>
-          </a:p>
-          <a:p>
-            <a:pPr>
-              <a:spcBef>
-                <a:spcPts val="800"/>
-              </a:spcBef>
-              <a:spcAft>
-                <a:spcPts val="800"/>
-              </a:spcAft>
-              <a:defRPr sz="2000">
-                <a:solidFill>
-                  <a:srgbClr val="FFFFFF"/>
-                </a:solidFill>
-              </a:defRPr>
-            </a:pPr>
-            <a:r>
-              <a:t>Why does Nova need a "Cellular Architecture" for large-scale clouds?</a:t>
-            </a:r>
-          </a:p>
-          <a:p>
-            <a:pPr>
-              <a:spcBef>
-                <a:spcPts val="800"/>
-              </a:spcBef>
-              <a:spcAft>
-                <a:spcPts val="800"/>
-              </a:spcAft>
-              <a:defRPr sz="2000">
-                <a:solidFill>
-                  <a:srgbClr val="FFFFFF"/>
-                </a:solidFill>
-              </a:defRPr>
-            </a:pPr>
-            <a:r>
-              <a:t>What is the difference between Nova and KVM?</a:t>
+            <a:pPr algn="ctr">
+              <a:defRPr sz="4800" b="1">
+                <a:solidFill>
+                  <a:srgbClr val="C9984A"/>
+                </a:solidFill>
+              </a:defRPr>
+            </a:pPr>
+            <a:r>
+              <a:t>1. Introduction to OpenStack Compute (Nova)</a:t>
             </a:r>
           </a:p>
         </p:txBody>
@@ -9858,7 +9881,7 @@
               </a:defRPr>
             </a:pPr>
             <a:r>
-              <a:t>Section 5 Checkpoint (Part 2)</a:t>
+              <a:t>Section 5 Checkpoint (Part 1)</a:t>
             </a:r>
           </a:p>
         </p:txBody>
@@ -9899,7 +9922,79 @@
               </a:defRPr>
             </a:pPr>
             <a:r>
-              <a:t>How does an "Allow-List" firewall differ from a traditional "Block-List"?</a:t>
+              <a:t>Flavor: Virtual hardware template (CPU/RAM). Provider defines, Consumer selects.</a:t>
+            </a:r>
+          </a:p>
+          <a:p>
+            <a:pPr>
+              <a:spcBef>
+                <a:spcPts val="800"/>
+              </a:spcBef>
+              <a:spcAft>
+                <a:spcPts val="800"/>
+              </a:spcAft>
+              <a:defRPr sz="2000">
+                <a:solidFill>
+                  <a:srgbClr val="FFFFFF"/>
+                </a:solidFill>
+              </a:defRPr>
+            </a:pPr>
+            <a:r>
+              <a:t>Security Group: Stateful virtual firewall. "Implicit Deny" by default.</a:t>
+            </a:r>
+          </a:p>
+          <a:p>
+            <a:pPr>
+              <a:spcBef>
+                <a:spcPts val="800"/>
+              </a:spcBef>
+              <a:spcAft>
+                <a:spcPts val="800"/>
+              </a:spcAft>
+              <a:defRPr sz="2000">
+                <a:solidFill>
+                  <a:srgbClr val="FFFFFF"/>
+                </a:solidFill>
+              </a:defRPr>
+            </a:pPr>
+            <a:r>
+              <a:t>Keypairs: SSH Keys for identity. Private Key never leaves your laptop.</a:t>
+            </a:r>
+          </a:p>
+          <a:p>
+            <a:pPr>
+              <a:spcBef>
+                <a:spcPts val="800"/>
+              </a:spcBef>
+              <a:spcAft>
+                <a:spcPts val="800"/>
+              </a:spcAft>
+              <a:defRPr sz="2000">
+                <a:solidFill>
+                  <a:srgbClr val="FFFFFF"/>
+                </a:solidFill>
+              </a:defRPr>
+            </a:pPr>
+            <a:r>
+              <a:t>Floating IP: Assigns a public address to reach the VM from outside.</a:t>
+            </a:r>
+          </a:p>
+          <a:p>
+            <a:pPr>
+              <a:spcBef>
+                <a:spcPts val="800"/>
+              </a:spcBef>
+              <a:spcAft>
+                <a:spcPts val="800"/>
+              </a:spcAft>
+              <a:defRPr sz="2000">
+                <a:solidFill>
+                  <a:srgbClr val="FFFFFF"/>
+                </a:solidFill>
+              </a:defRPr>
+            </a:pPr>
+            <a:r>
+              <a:t>Why must we use chmod 600 on the private key?</a:t>
             </a:r>
           </a:p>
         </p:txBody>
@@ -9913,6 +10008,132 @@
 </file>
 
 <file path=ppt/slides/slide31.xml><?xml version="1.0" encoding="utf-8"?>
+<p:sld xmlns:a="http://schemas.openxmlformats.org/drawingml/2006/main" xmlns:p="http://schemas.openxmlformats.org/presentationml/2006/main" xmlns:r="http://schemas.openxmlformats.org/officeDocument/2006/relationships">
+  <p:cSld>
+    <p:bg>
+      <p:bgPr>
+        <a:solidFill>
+          <a:srgbClr val="142A46"/>
+        </a:solidFill>
+        <a:effectLst/>
+      </p:bgPr>
+    </p:bg>
+    <p:spTree>
+      <p:nvGrpSpPr>
+        <p:cNvPr id="1" name=""/>
+        <p:cNvGrpSpPr/>
+        <p:nvPr/>
+      </p:nvGrpSpPr>
+      <p:grpSpPr/>
+      <p:pic>
+        <p:nvPicPr>
+          <p:cNvPr id="2" name="Picture 1" descr="ops3_logo.png"/>
+          <p:cNvPicPr>
+            <a:picLocks noChangeAspect="1"/>
+          </p:cNvPicPr>
+          <p:nvPr/>
+        </p:nvPicPr>
+        <p:blipFill>
+          <a:blip r:embed="rId2"/>
+          <a:stretch>
+            <a:fillRect/>
+          </a:stretch>
+        </p:blipFill>
+        <p:spPr>
+          <a:xfrm>
+            <a:off x="274320" y="274320"/>
+            <a:ext cx="581649" cy="548640"/>
+          </a:xfrm>
+          <a:prstGeom prst="rect">
+            <a:avLst/>
+          </a:prstGeom>
+        </p:spPr>
+      </p:pic>
+      <p:sp>
+        <p:nvSpPr>
+          <p:cNvPr id="3" name="TextBox 2"/>
+          <p:cNvSpPr txBox="1"/>
+          <p:nvPr/>
+        </p:nvSpPr>
+        <p:spPr>
+          <a:xfrm>
+            <a:off x="457200" y="914400"/>
+            <a:ext cx="8229600" cy="640080"/>
+          </a:xfrm>
+          <a:prstGeom prst="rect">
+            <a:avLst/>
+          </a:prstGeom>
+          <a:noFill/>
+        </p:spPr>
+        <p:txBody>
+          <a:bodyPr wrap="none">
+            <a:spAutoFit/>
+          </a:bodyPr>
+          <a:lstStyle/>
+          <a:p>
+            <a:pPr>
+              <a:defRPr sz="3200" b="1">
+                <a:solidFill>
+                  <a:srgbClr val="C9984A"/>
+                </a:solidFill>
+              </a:defRPr>
+            </a:pPr>
+            <a:r>
+              <a:t>Section 5 Checkpoint (Part 2)</a:t>
+            </a:r>
+          </a:p>
+        </p:txBody>
+      </p:sp>
+      <p:sp>
+        <p:nvSpPr>
+          <p:cNvPr id="4" name="TextBox 3"/>
+          <p:cNvSpPr txBox="1"/>
+          <p:nvPr/>
+        </p:nvSpPr>
+        <p:spPr>
+          <a:xfrm>
+            <a:off x="731520" y="1737360"/>
+            <a:ext cx="7680960" cy="4389120"/>
+          </a:xfrm>
+          <a:prstGeom prst="rect">
+            <a:avLst/>
+          </a:prstGeom>
+          <a:noFill/>
+        </p:spPr>
+        <p:txBody>
+          <a:bodyPr wrap="square">
+            <a:spAutoFit/>
+          </a:bodyPr>
+          <a:lstStyle/>
+          <a:p>
+            <a:pPr>
+              <a:spcBef>
+                <a:spcPts val="800"/>
+              </a:spcBef>
+              <a:spcAft>
+                <a:spcPts val="800"/>
+              </a:spcAft>
+              <a:defRPr sz="2000">
+                <a:solidFill>
+                  <a:srgbClr val="FFFFFF"/>
+                </a:solidFill>
+              </a:defRPr>
+            </a:pPr>
+            <a:r>
+              <a:t>How does an "Allow-List" firewall differ from a traditional "Block-List"?</a:t>
+            </a:r>
+          </a:p>
+        </p:txBody>
+      </p:sp>
+    </p:spTree>
+  </p:cSld>
+  <p:clrMapOvr>
+    <a:masterClrMapping/>
+  </p:clrMapOvr>
+</p:sld>
+</file>
+
+<file path=ppt/slides/slide32.xml><?xml version="1.0" encoding="utf-8"?>
 <p:sld xmlns:a="http://schemas.openxmlformats.org/drawingml/2006/main" xmlns:p="http://schemas.openxmlformats.org/presentationml/2006/main" xmlns:r="http://schemas.openxmlformats.org/officeDocument/2006/relationships">
   <p:cSld>
     <p:bg>
@@ -9985,204 +10206,6 @@
             </a:pPr>
             <a:r>
               <a:t>6. Industry Comparison: The "Polyglot" Cloud Engineer</a:t>
-            </a:r>
-          </a:p>
-        </p:txBody>
-      </p:sp>
-    </p:spTree>
-  </p:cSld>
-  <p:clrMapOvr>
-    <a:masterClrMapping/>
-  </p:clrMapOvr>
-</p:sld>
-</file>
-
-<file path=ppt/slides/slide32.xml><?xml version="1.0" encoding="utf-8"?>
-<p:sld xmlns:a="http://schemas.openxmlformats.org/drawingml/2006/main" xmlns:p="http://schemas.openxmlformats.org/presentationml/2006/main" xmlns:r="http://schemas.openxmlformats.org/officeDocument/2006/relationships">
-  <p:cSld>
-    <p:bg>
-      <p:bgPr>
-        <a:solidFill>
-          <a:srgbClr val="142A46"/>
-        </a:solidFill>
-        <a:effectLst/>
-      </p:bgPr>
-    </p:bg>
-    <p:spTree>
-      <p:nvGrpSpPr>
-        <p:cNvPr id="1" name=""/>
-        <p:cNvGrpSpPr/>
-        <p:nvPr/>
-      </p:nvGrpSpPr>
-      <p:grpSpPr/>
-      <p:pic>
-        <p:nvPicPr>
-          <p:cNvPr id="2" name="Picture 1" descr="ops3_logo.png"/>
-          <p:cNvPicPr>
-            <a:picLocks noChangeAspect="1"/>
-          </p:cNvPicPr>
-          <p:nvPr/>
-        </p:nvPicPr>
-        <p:blipFill>
-          <a:blip r:embed="rId2"/>
-          <a:stretch>
-            <a:fillRect/>
-          </a:stretch>
-        </p:blipFill>
-        <p:spPr>
-          <a:xfrm>
-            <a:off x="274320" y="274320"/>
-            <a:ext cx="581649" cy="548640"/>
-          </a:xfrm>
-          <a:prstGeom prst="rect">
-            <a:avLst/>
-          </a:prstGeom>
-        </p:spPr>
-      </p:pic>
-      <p:sp>
-        <p:nvSpPr>
-          <p:cNvPr id="3" name="TextBox 2"/>
-          <p:cNvSpPr txBox="1"/>
-          <p:nvPr/>
-        </p:nvSpPr>
-        <p:spPr>
-          <a:xfrm>
-            <a:off x="457200" y="914400"/>
-            <a:ext cx="8229600" cy="640080"/>
-          </a:xfrm>
-          <a:prstGeom prst="rect">
-            <a:avLst/>
-          </a:prstGeom>
-          <a:noFill/>
-        </p:spPr>
-        <p:txBody>
-          <a:bodyPr wrap="none">
-            <a:spAutoFit/>
-          </a:bodyPr>
-          <a:lstStyle/>
-          <a:p>
-            <a:pPr>
-              <a:defRPr sz="3200" b="1">
-                <a:solidFill>
-                  <a:srgbClr val="C9984A"/>
-                </a:solidFill>
-              </a:defRPr>
-            </a:pPr>
-            <a:r>
-              <a:t>6.1 Concept Mapping (Part 1)</a:t>
-            </a:r>
-          </a:p>
-        </p:txBody>
-      </p:sp>
-      <p:sp>
-        <p:nvSpPr>
-          <p:cNvPr id="4" name="TextBox 3"/>
-          <p:cNvSpPr txBox="1"/>
-          <p:nvPr/>
-        </p:nvSpPr>
-        <p:spPr>
-          <a:xfrm>
-            <a:off x="731520" y="1737360"/>
-            <a:ext cx="7680960" cy="4389120"/>
-          </a:xfrm>
-          <a:prstGeom prst="rect">
-            <a:avLst/>
-          </a:prstGeom>
-          <a:noFill/>
-        </p:spPr>
-        <p:txBody>
-          <a:bodyPr wrap="square">
-            <a:spAutoFit/>
-          </a:bodyPr>
-          <a:lstStyle/>
-          <a:p>
-            <a:pPr>
-              <a:spcBef>
-                <a:spcPts val="800"/>
-              </a:spcBef>
-              <a:spcAft>
-                <a:spcPts val="800"/>
-              </a:spcAft>
-              <a:defRPr sz="2000">
-                <a:solidFill>
-                  <a:srgbClr val="FFFFFF"/>
-                </a:solidFill>
-              </a:defRPr>
-            </a:pPr>
-            <a:r>
-              <a:t>OpenStack: openstack flavor list (Selects m1.small)</a:t>
-            </a:r>
-          </a:p>
-          <a:p>
-            <a:pPr>
-              <a:spcBef>
-                <a:spcPts val="800"/>
-              </a:spcBef>
-              <a:spcAft>
-                <a:spcPts val="800"/>
-              </a:spcAft>
-              <a:defRPr sz="2000">
-                <a:solidFill>
-                  <a:srgbClr val="FFFFFF"/>
-                </a:solidFill>
-              </a:defRPr>
-            </a:pPr>
-            <a:r>
-              <a:t>AWS: aws ec2 describe-instance-types (Selects t2.micro)</a:t>
-            </a:r>
-          </a:p>
-          <a:p>
-            <a:pPr>
-              <a:spcBef>
-                <a:spcPts val="800"/>
-              </a:spcBef>
-              <a:spcAft>
-                <a:spcPts val="800"/>
-              </a:spcAft>
-              <a:defRPr sz="2000">
-                <a:solidFill>
-                  <a:srgbClr val="FFFFFF"/>
-                </a:solidFill>
-              </a:defRPr>
-            </a:pPr>
-            <a:r>
-              <a:t>Azure: az vm list-sizes (Selects Standard_B1s)</a:t>
-            </a:r>
-          </a:p>
-          <a:p>
-            <a:pPr>
-              <a:spcBef>
-                <a:spcPts val="800"/>
-              </a:spcBef>
-              <a:spcAft>
-                <a:spcPts val="800"/>
-              </a:spcAft>
-              <a:defRPr sz="2000">
-                <a:solidFill>
-                  <a:srgbClr val="FFFFFF"/>
-                </a:solidFill>
-              </a:defRPr>
-            </a:pPr>
-            <a:r>
-              <a:t>OpenStack: openstack security group create web-sg</a:t>
-            </a:r>
-          </a:p>
-          <a:p>
-            <a:pPr>
-              <a:spcBef>
-                <a:spcPts val="800"/>
-              </a:spcBef>
-              <a:spcAft>
-                <a:spcPts val="800"/>
-              </a:spcAft>
-              <a:defRPr sz="2000">
-                <a:solidFill>
-                  <a:srgbClr val="FFFFFF"/>
-                </a:solidFill>
-              </a:defRPr>
-            </a:pPr>
-            <a:r>
-              <a:t>AWS: aws ec2 create-security-group --group-name web-sg</a:t>
             </a:r>
           </a:p>
         </p:txBody>
@@ -10267,7 +10290,7 @@
               </a:defRPr>
             </a:pPr>
             <a:r>
-              <a:t>6.1 Concept Mapping (Part 2)</a:t>
+              <a:t>6.1 Concept Mapping (Part 1)</a:t>
             </a:r>
           </a:p>
         </p:txBody>
@@ -10308,7 +10331,79 @@
               </a:defRPr>
             </a:pPr>
             <a:r>
-              <a:t>Azure: az network nsg create --name web-nsg</a:t>
+              <a:t>OpenStack: openstack flavor list (Selects m1.small)</a:t>
+            </a:r>
+          </a:p>
+          <a:p>
+            <a:pPr>
+              <a:spcBef>
+                <a:spcPts val="800"/>
+              </a:spcBef>
+              <a:spcAft>
+                <a:spcPts val="800"/>
+              </a:spcAft>
+              <a:defRPr sz="2000">
+                <a:solidFill>
+                  <a:srgbClr val="FFFFFF"/>
+                </a:solidFill>
+              </a:defRPr>
+            </a:pPr>
+            <a:r>
+              <a:t>AWS: aws ec2 describe-instance-types (Selects t2.micro)</a:t>
+            </a:r>
+          </a:p>
+          <a:p>
+            <a:pPr>
+              <a:spcBef>
+                <a:spcPts val="800"/>
+              </a:spcBef>
+              <a:spcAft>
+                <a:spcPts val="800"/>
+              </a:spcAft>
+              <a:defRPr sz="2000">
+                <a:solidFill>
+                  <a:srgbClr val="FFFFFF"/>
+                </a:solidFill>
+              </a:defRPr>
+            </a:pPr>
+            <a:r>
+              <a:t>Azure: az vm list-sizes (Selects Standard_B1s)</a:t>
+            </a:r>
+          </a:p>
+          <a:p>
+            <a:pPr>
+              <a:spcBef>
+                <a:spcPts val="800"/>
+              </a:spcBef>
+              <a:spcAft>
+                <a:spcPts val="800"/>
+              </a:spcAft>
+              <a:defRPr sz="2000">
+                <a:solidFill>
+                  <a:srgbClr val="FFFFFF"/>
+                </a:solidFill>
+              </a:defRPr>
+            </a:pPr>
+            <a:r>
+              <a:t>OpenStack: openstack security group create web-sg</a:t>
+            </a:r>
+          </a:p>
+          <a:p>
+            <a:pPr>
+              <a:spcBef>
+                <a:spcPts val="800"/>
+              </a:spcBef>
+              <a:spcAft>
+                <a:spcPts val="800"/>
+              </a:spcAft>
+              <a:defRPr sz="2000">
+                <a:solidFill>
+                  <a:srgbClr val="FFFFFF"/>
+                </a:solidFill>
+              </a:defRPr>
+            </a:pPr>
+            <a:r>
+              <a:t>AWS: aws ec2 create-security-group --group-name web-sg</a:t>
             </a:r>
           </a:p>
         </p:txBody>
@@ -10393,7 +10488,7 @@
               </a:defRPr>
             </a:pPr>
             <a:r>
-              <a:t>Section 6 Checkpoint</a:t>
+              <a:t>6.1 Concept Mapping (Part 2)</a:t>
             </a:r>
           </a:p>
         </p:txBody>
@@ -10434,79 +10529,7 @@
               </a:defRPr>
             </a:pPr>
             <a:r>
-              <a:t>Concepts are universal; only terms change (Flavor -&gt; Instance Type).</a:t>
-            </a:r>
-          </a:p>
-          <a:p>
-            <a:pPr>
-              <a:spcBef>
-                <a:spcPts val="800"/>
-              </a:spcBef>
-              <a:spcAft>
-                <a:spcPts val="800"/>
-              </a:spcAft>
-              <a:defRPr sz="2000">
-                <a:solidFill>
-                  <a:srgbClr val="FFFFFF"/>
-                </a:solidFill>
-              </a:defRPr>
-            </a:pPr>
-            <a:r>
-              <a:t>Nova = AWS EC2 = Azure Compute.</a:t>
-            </a:r>
-          </a:p>
-          <a:p>
-            <a:pPr>
-              <a:spcBef>
-                <a:spcPts val="800"/>
-              </a:spcBef>
-              <a:spcAft>
-                <a:spcPts val="800"/>
-              </a:spcAft>
-              <a:defRPr sz="2000">
-                <a:solidFill>
-                  <a:srgbClr val="FFFFFF"/>
-                </a:solidFill>
-              </a:defRPr>
-            </a:pPr>
-            <a:r>
-              <a:t>Security Group is the standard term across OpenStack and AWS.</a:t>
-            </a:r>
-          </a:p>
-          <a:p>
-            <a:pPr>
-              <a:spcBef>
-                <a:spcPts val="800"/>
-              </a:spcBef>
-              <a:spcAft>
-                <a:spcPts val="800"/>
-              </a:spcAft>
-              <a:defRPr sz="2000">
-                <a:solidFill>
-                  <a:srgbClr val="FFFFFF"/>
-                </a:solidFill>
-              </a:defRPr>
-            </a:pPr>
-            <a:r>
-              <a:t>Why is it valuable to learn the underlying concept rather than just the tool command?</a:t>
-            </a:r>
-          </a:p>
-          <a:p>
-            <a:pPr>
-              <a:spcBef>
-                <a:spcPts val="800"/>
-              </a:spcBef>
-              <a:spcAft>
-                <a:spcPts val="800"/>
-              </a:spcAft>
-              <a:defRPr sz="2000">
-                <a:solidFill>
-                  <a:srgbClr val="FFFFFF"/>
-                </a:solidFill>
-              </a:defRPr>
-            </a:pPr>
-            <a:r>
-              <a:t>How does "Infrastructure as Code" rely on these standardized CLI commands?</a:t>
+              <a:t>Azure: az network nsg create --name web-nsg</a:t>
             </a:r>
           </a:p>
         </p:txBody>
@@ -10520,6 +10543,204 @@
 </file>
 
 <file path=ppt/slides/slide35.xml><?xml version="1.0" encoding="utf-8"?>
+<p:sld xmlns:a="http://schemas.openxmlformats.org/drawingml/2006/main" xmlns:p="http://schemas.openxmlformats.org/presentationml/2006/main" xmlns:r="http://schemas.openxmlformats.org/officeDocument/2006/relationships">
+  <p:cSld>
+    <p:bg>
+      <p:bgPr>
+        <a:solidFill>
+          <a:srgbClr val="142A46"/>
+        </a:solidFill>
+        <a:effectLst/>
+      </p:bgPr>
+    </p:bg>
+    <p:spTree>
+      <p:nvGrpSpPr>
+        <p:cNvPr id="1" name=""/>
+        <p:cNvGrpSpPr/>
+        <p:nvPr/>
+      </p:nvGrpSpPr>
+      <p:grpSpPr/>
+      <p:pic>
+        <p:nvPicPr>
+          <p:cNvPr id="2" name="Picture 1" descr="ops3_logo.png"/>
+          <p:cNvPicPr>
+            <a:picLocks noChangeAspect="1"/>
+          </p:cNvPicPr>
+          <p:nvPr/>
+        </p:nvPicPr>
+        <p:blipFill>
+          <a:blip r:embed="rId2"/>
+          <a:stretch>
+            <a:fillRect/>
+          </a:stretch>
+        </p:blipFill>
+        <p:spPr>
+          <a:xfrm>
+            <a:off x="274320" y="274320"/>
+            <a:ext cx="581649" cy="548640"/>
+          </a:xfrm>
+          <a:prstGeom prst="rect">
+            <a:avLst/>
+          </a:prstGeom>
+        </p:spPr>
+      </p:pic>
+      <p:sp>
+        <p:nvSpPr>
+          <p:cNvPr id="3" name="TextBox 2"/>
+          <p:cNvSpPr txBox="1"/>
+          <p:nvPr/>
+        </p:nvSpPr>
+        <p:spPr>
+          <a:xfrm>
+            <a:off x="457200" y="914400"/>
+            <a:ext cx="8229600" cy="640080"/>
+          </a:xfrm>
+          <a:prstGeom prst="rect">
+            <a:avLst/>
+          </a:prstGeom>
+          <a:noFill/>
+        </p:spPr>
+        <p:txBody>
+          <a:bodyPr wrap="none">
+            <a:spAutoFit/>
+          </a:bodyPr>
+          <a:lstStyle/>
+          <a:p>
+            <a:pPr>
+              <a:defRPr sz="3200" b="1">
+                <a:solidFill>
+                  <a:srgbClr val="C9984A"/>
+                </a:solidFill>
+              </a:defRPr>
+            </a:pPr>
+            <a:r>
+              <a:t>Section 6 Checkpoint</a:t>
+            </a:r>
+          </a:p>
+        </p:txBody>
+      </p:sp>
+      <p:sp>
+        <p:nvSpPr>
+          <p:cNvPr id="4" name="TextBox 3"/>
+          <p:cNvSpPr txBox="1"/>
+          <p:nvPr/>
+        </p:nvSpPr>
+        <p:spPr>
+          <a:xfrm>
+            <a:off x="731520" y="1737360"/>
+            <a:ext cx="7680960" cy="4389120"/>
+          </a:xfrm>
+          <a:prstGeom prst="rect">
+            <a:avLst/>
+          </a:prstGeom>
+          <a:noFill/>
+        </p:spPr>
+        <p:txBody>
+          <a:bodyPr wrap="square">
+            <a:spAutoFit/>
+          </a:bodyPr>
+          <a:lstStyle/>
+          <a:p>
+            <a:pPr>
+              <a:spcBef>
+                <a:spcPts val="800"/>
+              </a:spcBef>
+              <a:spcAft>
+                <a:spcPts val="800"/>
+              </a:spcAft>
+              <a:defRPr sz="2000">
+                <a:solidFill>
+                  <a:srgbClr val="FFFFFF"/>
+                </a:solidFill>
+              </a:defRPr>
+            </a:pPr>
+            <a:r>
+              <a:t>Concepts are universal; only terms change (Flavor -&gt; Instance Type).</a:t>
+            </a:r>
+          </a:p>
+          <a:p>
+            <a:pPr>
+              <a:spcBef>
+                <a:spcPts val="800"/>
+              </a:spcBef>
+              <a:spcAft>
+                <a:spcPts val="800"/>
+              </a:spcAft>
+              <a:defRPr sz="2000">
+                <a:solidFill>
+                  <a:srgbClr val="FFFFFF"/>
+                </a:solidFill>
+              </a:defRPr>
+            </a:pPr>
+            <a:r>
+              <a:t>Nova = AWS EC2 = Azure Compute.</a:t>
+            </a:r>
+          </a:p>
+          <a:p>
+            <a:pPr>
+              <a:spcBef>
+                <a:spcPts val="800"/>
+              </a:spcBef>
+              <a:spcAft>
+                <a:spcPts val="800"/>
+              </a:spcAft>
+              <a:defRPr sz="2000">
+                <a:solidFill>
+                  <a:srgbClr val="FFFFFF"/>
+                </a:solidFill>
+              </a:defRPr>
+            </a:pPr>
+            <a:r>
+              <a:t>Security Group is the standard term across OpenStack and AWS.</a:t>
+            </a:r>
+          </a:p>
+          <a:p>
+            <a:pPr>
+              <a:spcBef>
+                <a:spcPts val="800"/>
+              </a:spcBef>
+              <a:spcAft>
+                <a:spcPts val="800"/>
+              </a:spcAft>
+              <a:defRPr sz="2000">
+                <a:solidFill>
+                  <a:srgbClr val="FFFFFF"/>
+                </a:solidFill>
+              </a:defRPr>
+            </a:pPr>
+            <a:r>
+              <a:t>Why is it valuable to learn the underlying concept rather than just the tool command?</a:t>
+            </a:r>
+          </a:p>
+          <a:p>
+            <a:pPr>
+              <a:spcBef>
+                <a:spcPts val="800"/>
+              </a:spcBef>
+              <a:spcAft>
+                <a:spcPts val="800"/>
+              </a:spcAft>
+              <a:defRPr sz="2000">
+                <a:solidFill>
+                  <a:srgbClr val="FFFFFF"/>
+                </a:solidFill>
+              </a:defRPr>
+            </a:pPr>
+            <a:r>
+              <a:t>How does "Infrastructure as Code" rely on these standardized CLI commands?</a:t>
+            </a:r>
+          </a:p>
+        </p:txBody>
+      </p:sp>
+    </p:spTree>
+  </p:cSld>
+  <p:clrMapOvr>
+    <a:masterClrMapping/>
+  </p:clrMapOvr>
+</p:sld>
+</file>
+
+<file path=ppt/slides/slide36.xml><?xml version="1.0" encoding="utf-8"?>
 <p:sld xmlns:a="http://schemas.openxmlformats.org/drawingml/2006/main" xmlns:p="http://schemas.openxmlformats.org/presentationml/2006/main" xmlns:r="http://schemas.openxmlformats.org/officeDocument/2006/relationships">
   <p:cSld>
     <p:bg>
@@ -10604,7 +10825,7 @@
 </p:sld>
 </file>
 
-<file path=ppt/slides/slide36.xml><?xml version="1.0" encoding="utf-8"?>
+<file path=ppt/slides/slide37.xml><?xml version="1.0" encoding="utf-8"?>
 <p:sld xmlns:a="http://schemas.openxmlformats.org/drawingml/2006/main" xmlns:p="http://schemas.openxmlformats.org/presentationml/2006/main" xmlns:r="http://schemas.openxmlformats.org/officeDocument/2006/relationships">
   <p:cSld>
     <p:bg>
@@ -10754,91 +10975,6 @@
             </a:pPr>
             <a:r>
               <a:t>Review the "Instance Lifecycle" states (Build -&gt; Active).</a:t>
-            </a:r>
-          </a:p>
-        </p:txBody>
-      </p:sp>
-    </p:spTree>
-  </p:cSld>
-  <p:clrMapOvr>
-    <a:masterClrMapping/>
-  </p:clrMapOvr>
-</p:sld>
-</file>
-
-<file path=ppt/slides/slide37.xml><?xml version="1.0" encoding="utf-8"?>
-<p:sld xmlns:a="http://schemas.openxmlformats.org/drawingml/2006/main" xmlns:p="http://schemas.openxmlformats.org/presentationml/2006/main" xmlns:r="http://schemas.openxmlformats.org/officeDocument/2006/relationships">
-  <p:cSld>
-    <p:bg>
-      <p:bgPr>
-        <a:solidFill>
-          <a:srgbClr val="1E3A5F"/>
-        </a:solidFill>
-        <a:effectLst/>
-      </p:bgPr>
-    </p:bg>
-    <p:spTree>
-      <p:nvGrpSpPr>
-        <p:cNvPr id="1" name=""/>
-        <p:cNvGrpSpPr/>
-        <p:nvPr/>
-      </p:nvGrpSpPr>
-      <p:grpSpPr/>
-      <p:pic>
-        <p:nvPicPr>
-          <p:cNvPr id="2" name="Picture 1" descr="ops3_logo.png"/>
-          <p:cNvPicPr>
-            <a:picLocks noChangeAspect="1"/>
-          </p:cNvPicPr>
-          <p:nvPr/>
-        </p:nvPicPr>
-        <p:blipFill>
-          <a:blip r:embed="rId2"/>
-          <a:stretch>
-            <a:fillRect/>
-          </a:stretch>
-        </p:blipFill>
-        <p:spPr>
-          <a:xfrm>
-            <a:off x="274320" y="274320"/>
-            <a:ext cx="581649" cy="548640"/>
-          </a:xfrm>
-          <a:prstGeom prst="rect">
-            <a:avLst/>
-          </a:prstGeom>
-        </p:spPr>
-      </p:pic>
-      <p:sp>
-        <p:nvSpPr>
-          <p:cNvPr id="3" name="TextBox 2"/>
-          <p:cNvSpPr txBox="1"/>
-          <p:nvPr/>
-        </p:nvSpPr>
-        <p:spPr>
-          <a:xfrm>
-            <a:off x="914400" y="2286000"/>
-            <a:ext cx="7315200" cy="1828800"/>
-          </a:xfrm>
-          <a:prstGeom prst="rect">
-            <a:avLst/>
-          </a:prstGeom>
-          <a:noFill/>
-        </p:spPr>
-        <p:txBody>
-          <a:bodyPr wrap="square">
-            <a:spAutoFit/>
-          </a:bodyPr>
-          <a:lstStyle/>
-          <a:p>
-            <a:pPr algn="ctr">
-              <a:defRPr sz="4800" b="1">
-                <a:solidFill>
-                  <a:srgbClr val="C9984A"/>
-                </a:solidFill>
-              </a:defRPr>
-            </a:pPr>
-            <a:r>
-              <a:t>8. Additional Resources</a:t>
             </a:r>
           </a:p>
         </p:txBody>
@@ -10923,7 +11059,7 @@
               </a:defRPr>
             </a:pPr>
             <a:r>
-              <a:t>9. Lab Exercises</a:t>
+              <a:t>8. Additional Resources</a:t>
             </a:r>
           </a:p>
         </p:txBody>
@@ -11008,7 +11144,7 @@
               </a:defRPr>
             </a:pPr>
             <a:r>
-              <a:t>Summary</a:t>
+              <a:t>9. Lab Exercises</a:t>
             </a:r>
           </a:p>
         </p:txBody>
@@ -11022,6 +11158,204 @@
 </file>
 
 <file path=ppt/slides/slide4.xml><?xml version="1.0" encoding="utf-8"?>
+<p:sld xmlns:a="http://schemas.openxmlformats.org/drawingml/2006/main" xmlns:p="http://schemas.openxmlformats.org/presentationml/2006/main" xmlns:r="http://schemas.openxmlformats.org/officeDocument/2006/relationships">
+  <p:cSld>
+    <p:bg>
+      <p:bgPr>
+        <a:solidFill>
+          <a:srgbClr val="142A46"/>
+        </a:solidFill>
+        <a:effectLst/>
+      </p:bgPr>
+    </p:bg>
+    <p:spTree>
+      <p:nvGrpSpPr>
+        <p:cNvPr id="1" name=""/>
+        <p:cNvGrpSpPr/>
+        <p:nvPr/>
+      </p:nvGrpSpPr>
+      <p:grpSpPr/>
+      <p:pic>
+        <p:nvPicPr>
+          <p:cNvPr id="2" name="Picture 1" descr="ops3_logo.png"/>
+          <p:cNvPicPr>
+            <a:picLocks noChangeAspect="1"/>
+          </p:cNvPicPr>
+          <p:nvPr/>
+        </p:nvPicPr>
+        <p:blipFill>
+          <a:blip r:embed="rId2"/>
+          <a:stretch>
+            <a:fillRect/>
+          </a:stretch>
+        </p:blipFill>
+        <p:spPr>
+          <a:xfrm>
+            <a:off x="274320" y="274320"/>
+            <a:ext cx="581649" cy="548640"/>
+          </a:xfrm>
+          <a:prstGeom prst="rect">
+            <a:avLst/>
+          </a:prstGeom>
+        </p:spPr>
+      </p:pic>
+      <p:sp>
+        <p:nvSpPr>
+          <p:cNvPr id="3" name="TextBox 2"/>
+          <p:cNvSpPr txBox="1"/>
+          <p:nvPr/>
+        </p:nvSpPr>
+        <p:spPr>
+          <a:xfrm>
+            <a:off x="457200" y="914400"/>
+            <a:ext cx="8229600" cy="640080"/>
+          </a:xfrm>
+          <a:prstGeom prst="rect">
+            <a:avLst/>
+          </a:prstGeom>
+          <a:noFill/>
+        </p:spPr>
+        <p:txBody>
+          <a:bodyPr wrap="none">
+            <a:spAutoFit/>
+          </a:bodyPr>
+          <a:lstStyle/>
+          <a:p>
+            <a:pPr>
+              <a:defRPr sz="3200" b="1">
+                <a:solidFill>
+                  <a:srgbClr val="C9984A"/>
+                </a:solidFill>
+              </a:defRPr>
+            </a:pPr>
+            <a:r>
+              <a:t>Section 1 Checkpoint</a:t>
+            </a:r>
+          </a:p>
+        </p:txBody>
+      </p:sp>
+      <p:sp>
+        <p:nvSpPr>
+          <p:cNvPr id="4" name="TextBox 3"/>
+          <p:cNvSpPr txBox="1"/>
+          <p:nvPr/>
+        </p:nvSpPr>
+        <p:spPr>
+          <a:xfrm>
+            <a:off x="731520" y="1737360"/>
+            <a:ext cx="7680960" cy="4389120"/>
+          </a:xfrm>
+          <a:prstGeom prst="rect">
+            <a:avLst/>
+          </a:prstGeom>
+          <a:noFill/>
+        </p:spPr>
+        <p:txBody>
+          <a:bodyPr wrap="square">
+            <a:spAutoFit/>
+          </a:bodyPr>
+          <a:lstStyle/>
+          <a:p>
+            <a:pPr>
+              <a:spcBef>
+                <a:spcPts val="800"/>
+              </a:spcBef>
+              <a:spcAft>
+                <a:spcPts val="800"/>
+              </a:spcAft>
+              <a:defRPr sz="2000">
+                <a:solidFill>
+                  <a:srgbClr val="FFFFFF"/>
+                </a:solidFill>
+              </a:defRPr>
+            </a:pPr>
+            <a:r>
+              <a:t>Nova is the compute controller, equivalent to Microsoft.Compute.</a:t>
+            </a:r>
+          </a:p>
+          <a:p>
+            <a:pPr>
+              <a:spcBef>
+                <a:spcPts val="800"/>
+              </a:spcBef>
+              <a:spcAft>
+                <a:spcPts val="800"/>
+              </a:spcAft>
+              <a:defRPr sz="2000">
+                <a:solidFill>
+                  <a:srgbClr val="FFFFFF"/>
+                </a:solidFill>
+              </a:defRPr>
+            </a:pPr>
+            <a:r>
+              <a:t>Cellular Architecture: Partitions the cloud for scalability and resilience.</a:t>
+            </a:r>
+          </a:p>
+          <a:p>
+            <a:pPr>
+              <a:spcBef>
+                <a:spcPts val="800"/>
+              </a:spcBef>
+              <a:spcAft>
+                <a:spcPts val="800"/>
+              </a:spcAft>
+              <a:defRPr sz="2000">
+                <a:solidFill>
+                  <a:srgbClr val="FFFFFF"/>
+                </a:solidFill>
+              </a:defRPr>
+            </a:pPr>
+            <a:r>
+              <a:t>Hypervisor Agnostic: Nova manages the hypervisor (KVM) but is not the hypervisor itself.</a:t>
+            </a:r>
+          </a:p>
+          <a:p>
+            <a:pPr>
+              <a:spcBef>
+                <a:spcPts val="800"/>
+              </a:spcBef>
+              <a:spcAft>
+                <a:spcPts val="800"/>
+              </a:spcAft>
+              <a:defRPr sz="2000">
+                <a:solidFill>
+                  <a:srgbClr val="FFFFFF"/>
+                </a:solidFill>
+              </a:defRPr>
+            </a:pPr>
+            <a:r>
+              <a:t>Why does Nova need a "Cellular Architecture" for large-scale clouds?</a:t>
+            </a:r>
+          </a:p>
+          <a:p>
+            <a:pPr>
+              <a:spcBef>
+                <a:spcPts val="800"/>
+              </a:spcBef>
+              <a:spcAft>
+                <a:spcPts val="800"/>
+              </a:spcAft>
+              <a:defRPr sz="2000">
+                <a:solidFill>
+                  <a:srgbClr val="FFFFFF"/>
+                </a:solidFill>
+              </a:defRPr>
+            </a:pPr>
+            <a:r>
+              <a:t>What is the difference between Nova and KVM?</a:t>
+            </a:r>
+          </a:p>
+        </p:txBody>
+      </p:sp>
+    </p:spTree>
+  </p:cSld>
+  <p:clrMapOvr>
+    <a:masterClrMapping/>
+  </p:clrMapOvr>
+</p:sld>
+</file>
+
+<file path=ppt/slides/slide40.xml><?xml version="1.0" encoding="utf-8"?>
 <p:sld xmlns:a="http://schemas.openxmlformats.org/drawingml/2006/main" xmlns:p="http://schemas.openxmlformats.org/presentationml/2006/main" xmlns:r="http://schemas.openxmlformats.org/officeDocument/2006/relationships">
   <p:cSld>
     <p:bg>
@@ -11093,7 +11427,7 @@
               </a:defRPr>
             </a:pPr>
             <a:r>
-              <a:t>2. Nova Component Anatomy</a:t>
+              <a:t>Summary</a:t>
             </a:r>
           </a:p>
         </p:txBody>
@@ -11112,7 +11446,7 @@
     <p:bg>
       <p:bgPr>
         <a:solidFill>
-          <a:srgbClr val="142A46"/>
+          <a:srgbClr val="1E3A5F"/>
         </a:solidFill>
         <a:effectLst/>
       </p:bgPr>
@@ -11156,8 +11490,8 @@
         </p:nvSpPr>
         <p:spPr>
           <a:xfrm>
-            <a:off x="457200" y="914400"/>
-            <a:ext cx="8229600" cy="640080"/>
+            <a:off x="914400" y="2286000"/>
+            <a:ext cx="7315200" cy="1828800"/>
           </a:xfrm>
           <a:prstGeom prst="rect">
             <a:avLst/>
@@ -11165,133 +11499,20 @@
           <a:noFill/>
         </p:spPr>
         <p:txBody>
-          <a:bodyPr wrap="none">
-            <a:spAutoFit/>
-          </a:bodyPr>
-          <a:lstStyle/>
-          <a:p>
-            <a:pPr>
-              <a:defRPr sz="3200" b="1">
-                <a:solidFill>
-                  <a:srgbClr val="C9984A"/>
-                </a:solidFill>
-              </a:defRPr>
-            </a:pPr>
-            <a:r>
-              <a:t>2.1 The Global Components (Control Plane) (Part 1)</a:t>
-            </a:r>
-          </a:p>
-        </p:txBody>
-      </p:sp>
-      <p:sp>
-        <p:nvSpPr>
-          <p:cNvPr id="4" name="TextBox 3"/>
-          <p:cNvSpPr txBox="1"/>
-          <p:nvPr/>
-        </p:nvSpPr>
-        <p:spPr>
-          <a:xfrm>
-            <a:off x="731520" y="1737360"/>
-            <a:ext cx="7680960" cy="4389120"/>
-          </a:xfrm>
-          <a:prstGeom prst="rect">
-            <a:avLst/>
-          </a:prstGeom>
-          <a:noFill/>
-        </p:spPr>
-        <p:txBody>
           <a:bodyPr wrap="square">
             <a:spAutoFit/>
           </a:bodyPr>
           <a:lstStyle/>
           <a:p>
-            <a:pPr>
-              <a:spcBef>
-                <a:spcPts val="800"/>
-              </a:spcBef>
-              <a:spcAft>
-                <a:spcPts val="800"/>
-              </a:spcAft>
-              <a:defRPr sz="2000">
-                <a:solidFill>
-                  <a:srgbClr val="FFFFFF"/>
-                </a:solidFill>
-              </a:defRPr>
-            </a:pPr>
-            <a:r>
-              <a:t>The entry point for all requests is nova-api.</a:t>
-            </a:r>
-          </a:p>
-          <a:p>
-            <a:pPr>
-              <a:spcBef>
-                <a:spcPts val="800"/>
-              </a:spcBef>
-              <a:spcAft>
-                <a:spcPts val="800"/>
-              </a:spcAft>
-              <a:defRPr sz="2000">
-                <a:solidFill>
-                  <a:srgbClr val="FFFFFF"/>
-                </a:solidFill>
-              </a:defRPr>
-            </a:pPr>
-            <a:r>
-              <a:t>This service accepts REST requests from users and other services.</a:t>
-            </a:r>
-          </a:p>
-          <a:p>
-            <a:pPr>
-              <a:spcBef>
-                <a:spcPts val="800"/>
-              </a:spcBef>
-              <a:spcAft>
-                <a:spcPts val="800"/>
-              </a:spcAft>
-              <a:defRPr sz="2000">
-                <a:solidFill>
-                  <a:srgbClr val="FFFFFF"/>
-                </a:solidFill>
-              </a:defRPr>
-            </a:pPr>
-            <a:r>
-              <a:t>It first validates the user's authentication token via Keystone before passing the request into the system.</a:t>
-            </a:r>
-          </a:p>
-          <a:p>
-            <a:pPr>
-              <a:spcBef>
-                <a:spcPts val="800"/>
-              </a:spcBef>
-              <a:spcAft>
-                <a:spcPts val="800"/>
-              </a:spcAft>
-              <a:defRPr sz="2000">
-                <a:solidFill>
-                  <a:srgbClr val="FFFFFF"/>
-                </a:solidFill>
-              </a:defRPr>
-            </a:pPr>
-            <a:r>
-              <a:t>Crucially, nova-api is stateless, meaning scaling it is as simple as running multiple copies behind a Load Balancer.</a:t>
-            </a:r>
-          </a:p>
-          <a:p>
-            <a:pPr>
-              <a:spcBef>
-                <a:spcPts val="800"/>
-              </a:spcBef>
-              <a:spcAft>
-                <a:spcPts val="800"/>
-              </a:spcAft>
-              <a:defRPr sz="2000">
-                <a:solidFill>
-                  <a:srgbClr val="FFFFFF"/>
-                </a:solidFill>
-              </a:defRPr>
-            </a:pPr>
-            <a:r>
-              <a:t>The decision-making heart of the cloud is nova-scheduler.</a:t>
+            <a:pPr algn="ctr">
+              <a:defRPr sz="4800" b="1">
+                <a:solidFill>
+                  <a:srgbClr val="C9984A"/>
+                </a:solidFill>
+              </a:defRPr>
+            </a:pPr>
+            <a:r>
+              <a:t>2. Nova Component Anatomy</a:t>
             </a:r>
           </a:p>
         </p:txBody>
@@ -11376,7 +11597,7 @@
               </a:defRPr>
             </a:pPr>
             <a:r>
-              <a:t>2.1 The Global Components (Control Plane) (Part 2)</a:t>
+              <a:t>2.1 The Global Components (Control Plane) (Part 1)</a:t>
             </a:r>
           </a:p>
         </p:txBody>
@@ -11417,7 +11638,7 @@
               </a:defRPr>
             </a:pPr>
             <a:r>
-              <a:t>Its sole responsibility is to decide where a new virtual machine should be placed.</a:t>
+              <a:t>The entry point for all requests is nova-api.</a:t>
             </a:r>
           </a:p>
           <a:p>
@@ -11435,7 +11656,7 @@
               </a:defRPr>
             </a:pPr>
             <a:r>
-              <a:t>It does not create the VM or touch the hypervisor; it simply selects the most appropriate host from the pool of available resources and passes the message along.</a:t>
+              <a:t>This service accepts REST requests from users and other services.</a:t>
             </a:r>
           </a:p>
           <a:p>
@@ -11453,7 +11674,7 @@
               </a:defRPr>
             </a:pPr>
             <a:r>
-              <a:t>It achieves this through a sophisticated Filter-and-Weight algorithm.</a:t>
+              <a:t>It first validates the user's authentication token via Keystone before passing the request into the system.</a:t>
             </a:r>
           </a:p>
           <a:p>
@@ -11471,7 +11692,7 @@
               </a:defRPr>
             </a:pPr>
             <a:r>
-              <a:t>Finally, the nova-conductor acts as a security guard for the database.</a:t>
+              <a:t>Crucially, nova-api is stateless, meaning scaling it is as simple as running multiple copies behind a Load Balancer.</a:t>
             </a:r>
           </a:p>
           <a:p>
@@ -11489,7 +11710,7 @@
               </a:defRPr>
             </a:pPr>
             <a:r>
-              <a:t>In a cloud environment, compute nodes are considered "untrusted" because they run user workloads that could potentially be malicious.</a:t>
+              <a:t>The decision-making heart of the cloud is nova-scheduler.</a:t>
             </a:r>
           </a:p>
         </p:txBody>
@@ -11574,7 +11795,7 @@
               </a:defRPr>
             </a:pPr>
             <a:r>
-              <a:t>2.1 The Global Components (Control Plane) (Part 3)</a:t>
+              <a:t>2.1 The Global Components (Control Plane) (Part 2)</a:t>
             </a:r>
           </a:p>
         </p:txBody>
@@ -11615,7 +11836,7 @@
               </a:defRPr>
             </a:pPr>
             <a:r>
-              <a:t>If a hacker were to escape a VM and gain control of the compute node, we must ensure they cannot corrupt the entire cloud database.</a:t>
+              <a:t>Its sole responsibility is to decide where a new virtual machine should be placed.</a:t>
             </a:r>
           </a:p>
           <a:p>
@@ -11633,7 +11854,7 @@
               </a:defRPr>
             </a:pPr>
             <a:r>
-              <a:t>Therefore, compute nodes are not allowed to write to the database directly.</a:t>
+              <a:t>It does not create the VM or touch the hypervisor; it simply selects the most appropriate host from the pool of available resources and passes the message along.</a:t>
             </a:r>
           </a:p>
           <a:p>
@@ -11651,7 +11872,43 @@
               </a:defRPr>
             </a:pPr>
             <a:r>
-              <a:t>Instead, they send a message to the Conductor requesting an update, and the Conductor performs the write operation only after validating the request.</a:t>
+              <a:t>It achieves this through a sophisticated Filter-and-Weight algorithm.</a:t>
+            </a:r>
+          </a:p>
+          <a:p>
+            <a:pPr>
+              <a:spcBef>
+                <a:spcPts val="800"/>
+              </a:spcBef>
+              <a:spcAft>
+                <a:spcPts val="800"/>
+              </a:spcAft>
+              <a:defRPr sz="2000">
+                <a:solidFill>
+                  <a:srgbClr val="FFFFFF"/>
+                </a:solidFill>
+              </a:defRPr>
+            </a:pPr>
+            <a:r>
+              <a:t>Finally, the nova-conductor acts as a security guard for the database.</a:t>
+            </a:r>
+          </a:p>
+          <a:p>
+            <a:pPr>
+              <a:spcBef>
+                <a:spcPts val="800"/>
+              </a:spcBef>
+              <a:spcAft>
+                <a:spcPts val="800"/>
+              </a:spcAft>
+              <a:defRPr sz="2000">
+                <a:solidFill>
+                  <a:srgbClr val="FFFFFF"/>
+                </a:solidFill>
+              </a:defRPr>
+            </a:pPr>
+            <a:r>
+              <a:t>In a cloud environment, compute nodes are considered "untrusted" because they run user workloads that could potentially be malicious.</a:t>
             </a:r>
           </a:p>
         </p:txBody>
@@ -11736,7 +11993,7 @@
               </a:defRPr>
             </a:pPr>
             <a:r>
-              <a:t>2.2 The Node Components (Data Plane) (Part 1)</a:t>
+              <a:t>2.1 The Global Components (Control Plane) (Part 3)</a:t>
             </a:r>
           </a:p>
         </p:txBody>
@@ -11777,7 +12034,7 @@
               </a:defRPr>
             </a:pPr>
             <a:r>
-              <a:t>On every hypervisor server, the nova-compute service acts as the worker.</a:t>
+              <a:t>If a hacker were to escape a VM and gain control of the compute node, we must ensure they cannot corrupt the entire cloud database.</a:t>
             </a:r>
           </a:p>
           <a:p>
@@ -11795,7 +12052,7 @@
               </a:defRPr>
             </a:pPr>
             <a:r>
-              <a:t>It continually listens for instructions from the message queue (RabbitMQ).</a:t>
+              <a:t>Therefore, compute nodes are not allowed to write to the database directly.</a:t>
             </a:r>
           </a:p>
           <a:p>
@@ -11813,47 +12070,7 @@
               </a:defRPr>
             </a:pPr>
             <a:r>
-              <a:t>When it receives a command, such as "Run Instance," it does not execute it blindly; it follows a rigorous process to ensure the VM is built correctly on the physical hardware.</a:t>
-            </a:r>
-          </a:p>
-          <a:p>
-            <a:pPr>
-              <a:spcBef>
-                <a:spcPts val="800"/>
-              </a:spcBef>
-              <a:spcAft>
-                <a:spcPts val="800"/>
-              </a:spcAft>
-              <a:defRPr sz="2000">
-                <a:solidFill>
-                  <a:srgbClr val="FFFFFF"/>
-                </a:solidFill>
-              </a:defRPr>
-            </a:pPr>
-            <a:r>
-              <a:t>The Driver Layer (Libvirt)</a:t>
-            </a:r>
-            <a:br/>
-            <a:r>
-              <a:t>nova-compute is designed to be hypervisor-agnostic.</a:t>
-            </a:r>
-          </a:p>
-          <a:p>
-            <a:pPr>
-              <a:spcBef>
-                <a:spcPts val="800"/>
-              </a:spcBef>
-              <a:spcAft>
-                <a:spcPts val="800"/>
-              </a:spcAft>
-              <a:defRPr sz="2000">
-                <a:solidFill>
-                  <a:srgbClr val="FFFFFF"/>
-                </a:solidFill>
-              </a:defRPr>
-            </a:pPr>
-            <a:r>
-              <a:t>It does not speak directly to the kernel; instead, it uses a driver.</a:t>
+              <a:t>Instead, they send a message to the Conductor requesting an update, and the Conductor performs the write operation only after validating the request.</a:t>
             </a:r>
           </a:p>
         </p:txBody>
@@ -11938,7 +12155,7 @@
               </a:defRPr>
             </a:pPr>
             <a:r>
-              <a:t>2.2 The Node Components (Data Plane) (Part 2)</a:t>
+              <a:t>2.2 The Node Components (Data Plane) (Part 1)</a:t>
             </a:r>
           </a:p>
         </p:txBody>
@@ -11979,7 +12196,7 @@
               </a:defRPr>
             </a:pPr>
             <a:r>
-              <a:t>In our Linux environment, it uses the Libvirt driver.</a:t>
+              <a:t>On every hypervisor server, the nova-compute service acts as the worker.</a:t>
             </a:r>
           </a:p>
           <a:p>
@@ -11997,7 +12214,7 @@
               </a:defRPr>
             </a:pPr>
             <a:r>
-              <a:t>When you ask for a VM, nova-compute translates your request into a Libvirt XML file—a precise recipe describing the VM's CPU, RAM, and Devices—and passes it to the Libvirt daemon, which ultimately spawns the QEMU/KVM process.</a:t>
+              <a:t>It continually listens for instructions from the message queue (RabbitMQ).</a:t>
             </a:r>
           </a:p>
           <a:p>
@@ -12015,11 +12232,7 @@
               </a:defRPr>
             </a:pPr>
             <a:r>
-              <a:t>The Resource Tracker</a:t>
-            </a:r>
-            <a:br/>
-            <a:r>
-              <a:t>Beyond creating VMs, nova-compute is responsible for auditing the physical server.</a:t>
+              <a:t>When it receives a command, such as "Run Instance," it does not execute it blindly; it follows a rigorous process to ensure the VM is built correctly on the physical hardware.</a:t>
             </a:r>
           </a:p>
           <a:p>
@@ -12037,7 +12250,11 @@
               </a:defRPr>
             </a:pPr>
             <a:r>
-              <a:t>It runs a periodic task (typically every 60 seconds) called the Resource Tracker.</a:t>
+              <a:t>The Driver Layer (Libvirt)</a:t>
+            </a:r>
+            <a:br/>
+            <a:r>
+              <a:t>nova-compute is designed to be hypervisor-agnostic.</a:t>
             </a:r>
           </a:p>
           <a:p>
@@ -12055,7 +12272,7 @@
               </a:defRPr>
             </a:pPr>
             <a:r>
-              <a:t>This task scans the available RAM, CPU cores, and Disk space on the host and compares it against the reserved resources.</a:t>
+              <a:t>It does not speak directly to the kernel; instead, it uses a driver.</a:t>
             </a:r>
           </a:p>
         </p:txBody>
